--- a/twu/面試/數據通信分公司_附件CHK-01簡報_1100427_涂宇欣.pptx
+++ b/twu/面試/數據通信分公司_附件CHK-01簡報_1100427_涂宇欣.pptx
@@ -19,7 +19,7 @@
     <p:sldId id="311" r:id="rId7"/>
     <p:sldId id="312" r:id="rId8"/>
     <p:sldId id="319" r:id="rId9"/>
-    <p:sldId id="322" r:id="rId10"/>
+    <p:sldId id="324" r:id="rId10"/>
     <p:sldId id="320" r:id="rId11"/>
     <p:sldId id="306" r:id="rId12"/>
   </p:sldIdLst>
@@ -2001,7 +2001,7 @@
     </p:spTree>
     <p:extLst>
       <p:ext uri="{BB962C8B-B14F-4D97-AF65-F5344CB8AC3E}">
-        <p14:creationId xmlns:p14="http://schemas.microsoft.com/office/powerpoint/2010/main" val="3918583501"/>
+        <p14:creationId xmlns:p14="http://schemas.microsoft.com/office/powerpoint/2010/main" val="1067350507"/>
       </p:ext>
     </p:extLst>
   </p:cSld>
@@ -8590,7 +8590,7 @@
           <a:p>
             <a:pPr eaLnBrk="1" hangingPunct="1"/>
             <a:r>
-              <a:rPr lang="zh-TW" altLang="zh-TW" sz="3200" b="1" dirty="0">
+              <a:rPr lang="zh-TW" altLang="zh-TW" sz="3600" b="1" dirty="0">
                 <a:solidFill>
                   <a:schemeClr val="tx1"/>
                 </a:solidFill>
@@ -8599,7 +8599,7 @@
               <a:t>中華電信公司</a:t>
             </a:r>
             <a:r>
-              <a:rPr lang="en-US" altLang="zh-TW" sz="3200" b="1" dirty="0" smtClean="0">
+              <a:rPr lang="en-US" altLang="zh-TW" sz="3600" b="1" dirty="0" smtClean="0">
                 <a:solidFill>
                   <a:schemeClr val="tx1"/>
                 </a:solidFill>
@@ -8608,7 +8608,7 @@
               <a:t>110</a:t>
             </a:r>
             <a:r>
-              <a:rPr lang="zh-TW" altLang="en-US" sz="3200" b="1" dirty="0" smtClean="0">
+              <a:rPr lang="zh-TW" altLang="en-US" sz="3600" b="1" dirty="0" smtClean="0">
                 <a:solidFill>
                   <a:schemeClr val="tx1"/>
                 </a:solidFill>
@@ -8617,7 +8617,7 @@
               <a:t>年第</a:t>
             </a:r>
             <a:r>
-              <a:rPr lang="en-US" altLang="zh-TW" sz="3200" b="1" dirty="0" smtClean="0">
+              <a:rPr lang="en-US" altLang="zh-TW" sz="3600" b="1" dirty="0" smtClean="0">
                 <a:solidFill>
                   <a:schemeClr val="tx1"/>
                 </a:solidFill>
@@ -8626,7 +8626,7 @@
               <a:t>8</a:t>
             </a:r>
             <a:r>
-              <a:rPr lang="zh-TW" altLang="en-US" sz="3200" b="1" dirty="0" smtClean="0">
+              <a:rPr lang="zh-TW" altLang="en-US" sz="3600" b="1" dirty="0" smtClean="0">
                 <a:solidFill>
                   <a:schemeClr val="tx1"/>
                 </a:solidFill>
@@ -8635,7 +8635,7 @@
               <a:t>次</a:t>
             </a:r>
             <a:r>
-              <a:rPr lang="en-US" altLang="zh-TW" sz="3200" b="1" dirty="0">
+              <a:rPr lang="en-US" altLang="zh-TW" sz="3600" b="1" dirty="0">
                 <a:solidFill>
                   <a:schemeClr val="tx1"/>
                 </a:solidFill>
@@ -8644,7 +8644,7 @@
               <a:t/>
             </a:r>
             <a:br>
-              <a:rPr lang="en-US" altLang="zh-TW" sz="3200" b="1" dirty="0">
+              <a:rPr lang="en-US" altLang="zh-TW" sz="3600" b="1" dirty="0">
                 <a:solidFill>
                   <a:schemeClr val="tx1"/>
                 </a:solidFill>
@@ -8652,7 +8652,7 @@
               </a:rPr>
             </a:br>
             <a:r>
-              <a:rPr lang="zh-TW" altLang="en-US" sz="3200" b="1" dirty="0">
+              <a:rPr lang="zh-TW" altLang="en-US" sz="3600" b="1" dirty="0">
                 <a:solidFill>
                   <a:schemeClr val="tx1"/>
                 </a:solidFill>
@@ -8661,7 +8661,7 @@
               <a:t>從業人員</a:t>
             </a:r>
             <a:r>
-              <a:rPr lang="en-US" altLang="zh-TW" sz="3200" b="1" dirty="0">
+              <a:rPr lang="en-US" altLang="zh-TW" sz="3600" b="1" dirty="0">
                 <a:solidFill>
                   <a:schemeClr val="tx1"/>
                 </a:solidFill>
@@ -8670,7 +8670,7 @@
               <a:t>(</a:t>
             </a:r>
             <a:r>
-              <a:rPr lang="zh-TW" altLang="en-US" sz="3200" b="1" dirty="0">
+              <a:rPr lang="zh-TW" altLang="en-US" sz="3600" b="1" dirty="0">
                 <a:solidFill>
                   <a:schemeClr val="tx1"/>
                 </a:solidFill>
@@ -8679,7 +8679,7 @@
               <a:t>具工作經驗</a:t>
             </a:r>
             <a:r>
-              <a:rPr lang="en-US" altLang="zh-TW" sz="3200" b="1" dirty="0">
+              <a:rPr lang="en-US" altLang="zh-TW" sz="3600" b="1" dirty="0">
                 <a:solidFill>
                   <a:schemeClr val="tx1"/>
                 </a:solidFill>
@@ -8688,7 +8688,7 @@
               <a:t>)</a:t>
             </a:r>
             <a:r>
-              <a:rPr lang="zh-TW" altLang="en-US" sz="3200" b="1" dirty="0">
+              <a:rPr lang="zh-TW" altLang="en-US" sz="3600" b="1" dirty="0">
                 <a:solidFill>
                   <a:schemeClr val="tx1"/>
                 </a:solidFill>
@@ -8727,48 +8727,48 @@
               <a:buNone/>
             </a:pPr>
             <a:r>
-              <a:rPr lang="zh-TW" altLang="en-US" sz="2800" b="1" dirty="0">
+              <a:rPr lang="zh-TW" altLang="en-US" sz="3200" b="1" dirty="0">
                 <a:latin typeface="微軟正黑體" pitchFamily="34" charset="-120"/>
                 <a:ea typeface="微軟正黑體" pitchFamily="34" charset="-120"/>
               </a:rPr>
               <a:t>日期</a:t>
             </a:r>
             <a:r>
-              <a:rPr lang="zh-TW" altLang="en-US" sz="2800" b="1" dirty="0" smtClean="0">
+              <a:rPr lang="zh-TW" altLang="en-US" sz="3200" b="1" dirty="0" smtClean="0">
                 <a:latin typeface="微軟正黑體" pitchFamily="34" charset="-120"/>
                 <a:ea typeface="微軟正黑體" pitchFamily="34" charset="-120"/>
               </a:rPr>
               <a:t>：</a:t>
             </a:r>
             <a:r>
-              <a:rPr lang="en-US" altLang="zh-TW" sz="2800" b="1" dirty="0">
+              <a:rPr lang="en-US" altLang="zh-TW" sz="3200" b="1" dirty="0">
                 <a:latin typeface="微軟正黑體" pitchFamily="34" charset="-120"/>
                 <a:ea typeface="微軟正黑體" pitchFamily="34" charset="-120"/>
               </a:rPr>
               <a:t> </a:t>
             </a:r>
             <a:r>
-              <a:rPr lang="en-US" altLang="zh-TW" sz="2800" b="1" dirty="0" smtClean="0">
+              <a:rPr lang="en-US" altLang="zh-TW" sz="3200" b="1" dirty="0" smtClean="0">
                 <a:latin typeface="微軟正黑體" pitchFamily="34" charset="-120"/>
                 <a:ea typeface="微軟正黑體" pitchFamily="34" charset="-120"/>
               </a:rPr>
               <a:t>110.04.27(</a:t>
             </a:r>
             <a:r>
-              <a:rPr lang="zh-TW" altLang="en-US" sz="2800" b="1" dirty="0" smtClean="0">
+              <a:rPr lang="zh-TW" altLang="en-US" sz="3200" b="1" dirty="0" smtClean="0">
                 <a:latin typeface="微軟正黑體" pitchFamily="34" charset="-120"/>
                 <a:ea typeface="微軟正黑體" pitchFamily="34" charset="-120"/>
               </a:rPr>
               <a:t>二</a:t>
             </a:r>
             <a:r>
-              <a:rPr lang="en-US" altLang="zh-TW" sz="2800" b="1" dirty="0" smtClean="0">
+              <a:rPr lang="en-US" altLang="zh-TW" sz="3200" b="1" dirty="0" smtClean="0">
                 <a:latin typeface="微軟正黑體" pitchFamily="34" charset="-120"/>
                 <a:ea typeface="微軟正黑體" pitchFamily="34" charset="-120"/>
               </a:rPr>
               <a:t>)</a:t>
             </a:r>
-            <a:endParaRPr lang="zh-TW" altLang="en-US" sz="2800" b="1" dirty="0">
+            <a:endParaRPr lang="zh-TW" altLang="en-US" sz="3200" b="1" dirty="0">
               <a:latin typeface="微軟正黑體" pitchFamily="34" charset="-120"/>
               <a:ea typeface="微軟正黑體" pitchFamily="34" charset="-120"/>
             </a:endParaRPr>
@@ -8782,20 +8782,20 @@
               <a:buNone/>
             </a:pPr>
             <a:r>
-              <a:rPr lang="zh-TW" altLang="en-US" sz="2800" b="1" dirty="0">
+              <a:rPr lang="zh-TW" altLang="en-US" sz="3200" b="1" dirty="0">
                 <a:latin typeface="微軟正黑體" pitchFamily="34" charset="-120"/>
                 <a:ea typeface="微軟正黑體" pitchFamily="34" charset="-120"/>
               </a:rPr>
               <a:t>報告人</a:t>
             </a:r>
             <a:r>
-              <a:rPr lang="zh-TW" altLang="en-US" sz="2800" b="1" dirty="0" smtClean="0">
+              <a:rPr lang="zh-TW" altLang="en-US" sz="3200" b="1" dirty="0" smtClean="0">
                 <a:latin typeface="微軟正黑體" pitchFamily="34" charset="-120"/>
                 <a:ea typeface="微軟正黑體" pitchFamily="34" charset="-120"/>
               </a:rPr>
               <a:t>：涂宇欣</a:t>
             </a:r>
-            <a:endParaRPr lang="en-US" altLang="zh-TW" sz="2800" b="1" dirty="0">
+            <a:endParaRPr lang="en-US" altLang="zh-TW" sz="3200" b="1" dirty="0">
               <a:latin typeface="微軟正黑體" pitchFamily="34" charset="-120"/>
               <a:ea typeface="微軟正黑體" pitchFamily="34" charset="-120"/>
             </a:endParaRPr>
@@ -9377,6 +9377,13 @@
   <p:clrMapOvr>
     <a:masterClrMapping/>
   </p:clrMapOvr>
+  <p:timing>
+    <p:tnLst>
+      <p:par>
+        <p:cTn id="1" dur="indefinite" restart="never" nodeType="tmRoot"/>
+      </p:par>
+    </p:tnLst>
+  </p:timing>
 </p:sld>
 </file>
 
@@ -9562,6 +9569,13 @@
   <p:clrMapOvr>
     <a:masterClrMapping/>
   </p:clrMapOvr>
+  <p:timing>
+    <p:tnLst>
+      <p:par>
+        <p:cTn id="1" dur="indefinite" restart="never" nodeType="tmRoot"/>
+      </p:par>
+    </p:tnLst>
+  </p:timing>
 </p:sld>
 </file>
 
@@ -11727,6 +11741,13 @@
   <p:clrMapOvr>
     <a:masterClrMapping/>
   </p:clrMapOvr>
+  <p:timing>
+    <p:tnLst>
+      <p:par>
+        <p:cTn id="1" dur="indefinite" restart="never" nodeType="tmRoot"/>
+      </p:par>
+    </p:tnLst>
+  </p:timing>
 </p:sld>
 </file>
 
@@ -13882,6 +13903,13 @@
   <p:transition>
     <p:wipe dir="r"/>
   </p:transition>
+  <p:timing>
+    <p:tnLst>
+      <p:par>
+        <p:cTn id="1" dur="indefinite" restart="never" nodeType="tmRoot"/>
+      </p:par>
+    </p:tnLst>
+  </p:timing>
 </p:sld>
 </file>
 
@@ -14078,7 +14106,7 @@
           <p:nvPr>
             <p:extLst>
               <p:ext uri="{D42A27DB-BD31-4B8C-83A1-F6EECF244321}">
-                <p14:modId xmlns:p14="http://schemas.microsoft.com/office/powerpoint/2010/main" val="100638593"/>
+                <p14:modId xmlns:p14="http://schemas.microsoft.com/office/powerpoint/2010/main" val="1218934174"/>
               </p:ext>
             </p:extLst>
           </p:nvPr>
@@ -14153,7 +14181,7 @@
                         <a:tabLst/>
                       </a:pPr>
                       <a:r>
-                        <a:rPr kumimoji="1" lang="zh-TW" altLang="en-US" sz="2000" b="1" i="0" u="none" strike="noStrike" cap="none" normalizeH="0" baseline="0" dirty="0">
+                        <a:rPr kumimoji="1" lang="zh-TW" altLang="en-US" sz="1800" b="1" i="0" u="none" strike="noStrike" cap="none" normalizeH="0" baseline="0" dirty="0">
                           <a:ln>
                             <a:noFill/>
                           </a:ln>
@@ -14238,7 +14266,7 @@
                         <a:tabLst/>
                       </a:pPr>
                       <a:r>
-                        <a:rPr kumimoji="1" lang="zh-TW" altLang="en-US" sz="2000" b="1" i="0" u="none" strike="noStrike" cap="none" normalizeH="0" baseline="0" dirty="0">
+                        <a:rPr kumimoji="1" lang="zh-TW" altLang="en-US" sz="1800" b="1" i="0" u="none" strike="noStrike" cap="none" normalizeH="0" baseline="0" dirty="0">
                           <a:ln>
                             <a:noFill/>
                           </a:ln>
@@ -14323,7 +14351,7 @@
                         <a:tabLst/>
                       </a:pPr>
                       <a:r>
-                        <a:rPr kumimoji="1" lang="zh-TW" altLang="en-US" sz="2000" b="1" i="0" u="none" strike="noStrike" cap="none" normalizeH="0" baseline="0" dirty="0">
+                        <a:rPr kumimoji="1" lang="zh-TW" altLang="en-US" sz="1800" b="1" i="0" u="none" strike="noStrike" cap="none" normalizeH="0" baseline="0" dirty="0">
                           <a:ln>
                             <a:noFill/>
                           </a:ln>
@@ -14408,7 +14436,7 @@
                         <a:tabLst/>
                       </a:pPr>
                       <a:r>
-                        <a:rPr kumimoji="1" lang="zh-TW" altLang="en-US" sz="2000" b="1" i="0" u="none" strike="noStrike" cap="none" normalizeH="0" baseline="0" dirty="0">
+                        <a:rPr kumimoji="1" lang="zh-TW" altLang="en-US" sz="1800" b="1" i="0" u="none" strike="noStrike" cap="none" normalizeH="0" baseline="0" dirty="0">
                           <a:ln>
                             <a:noFill/>
                           </a:ln>
@@ -14493,7 +14521,7 @@
                         <a:tabLst/>
                       </a:pPr>
                       <a:r>
-                        <a:rPr kumimoji="1" lang="zh-TW" altLang="en-US" sz="2000" b="1" i="0" u="none" strike="noStrike" cap="none" normalizeH="0" baseline="0" dirty="0">
+                        <a:rPr kumimoji="1" lang="zh-TW" altLang="en-US" sz="1800" b="1" i="0" u="none" strike="noStrike" cap="none" normalizeH="0" baseline="0" dirty="0">
                           <a:ln>
                             <a:noFill/>
                           </a:ln>
@@ -15086,7 +15114,7 @@
                         <a:tabLst/>
                       </a:pPr>
                       <a:r>
-                        <a:rPr kumimoji="0" lang="zh-TW" altLang="en-US" sz="2000" b="0" i="0" u="none" strike="noStrike" cap="none" normalizeH="0" baseline="0" dirty="0" smtClean="0">
+                        <a:rPr kumimoji="0" lang="zh-TW" altLang="en-US" sz="1800" b="0" i="0" u="none" strike="noStrike" cap="none" normalizeH="0" baseline="0" dirty="0" smtClean="0">
                           <a:ln>
                             <a:noFill/>
                           </a:ln>
@@ -15099,7 +15127,7 @@
                         </a:rPr>
                         <a:t>大同大學電算中心</a:t>
                       </a:r>
-                      <a:endParaRPr kumimoji="0" lang="zh-TW" altLang="en-US" sz="2000" b="0" i="0" u="none" strike="noStrike" cap="none" normalizeH="0" baseline="0" dirty="0">
+                      <a:endParaRPr kumimoji="0" lang="zh-TW" altLang="en-US" sz="1800" b="0" i="0" u="none" strike="noStrike" cap="none" normalizeH="0" baseline="0" dirty="0">
                         <a:ln>
                           <a:noFill/>
                         </a:ln>
@@ -15182,7 +15210,7 @@
                         <a:tabLst/>
                       </a:pPr>
                       <a:r>
-                        <a:rPr kumimoji="0" lang="zh-TW" altLang="en-US" sz="2000" b="0" i="0" u="none" strike="noStrike" cap="none" normalizeH="0" baseline="0" dirty="0" smtClean="0">
+                        <a:rPr kumimoji="0" lang="zh-TW" altLang="en-US" sz="1800" b="0" i="0" u="none" strike="noStrike" cap="none" normalizeH="0" baseline="0" dirty="0" smtClean="0">
                           <a:ln>
                             <a:noFill/>
                           </a:ln>
@@ -15195,7 +15223,7 @@
                         </a:rPr>
                         <a:t>助教</a:t>
                       </a:r>
-                      <a:endParaRPr kumimoji="0" lang="zh-TW" altLang="en-US" sz="2000" b="0" i="0" u="none" strike="noStrike" cap="none" normalizeH="0" baseline="0" dirty="0">
+                      <a:endParaRPr kumimoji="0" lang="zh-TW" altLang="en-US" sz="1800" b="0" i="0" u="none" strike="noStrike" cap="none" normalizeH="0" baseline="0" dirty="0">
                         <a:ln>
                           <a:noFill/>
                         </a:ln>
@@ -15278,7 +15306,7 @@
                         <a:tabLst/>
                       </a:pPr>
                       <a:r>
-                        <a:rPr kumimoji="0" lang="zh-TW" altLang="en-US" sz="2000" b="0" i="0" u="none" strike="noStrike" cap="none" normalizeH="0" baseline="0" dirty="0" smtClean="0">
+                        <a:rPr kumimoji="0" lang="zh-TW" altLang="en-US" sz="1800" b="0" i="0" u="none" strike="noStrike" cap="none" normalizeH="0" baseline="0" dirty="0" smtClean="0">
                           <a:ln>
                             <a:noFill/>
                           </a:ln>
@@ -15291,7 +15319,7 @@
                         </a:rPr>
                         <a:t>協助架設電腦環境與處理學生電腦問題</a:t>
                       </a:r>
-                      <a:endParaRPr kumimoji="0" lang="zh-TW" altLang="en-US" sz="2000" b="0" i="0" u="none" strike="noStrike" cap="none" normalizeH="0" baseline="0" dirty="0">
+                      <a:endParaRPr kumimoji="0" lang="zh-TW" altLang="en-US" sz="1800" b="0" i="0" u="none" strike="noStrike" cap="none" normalizeH="0" baseline="0" dirty="0">
                         <a:ln>
                           <a:noFill/>
                         </a:ln>
@@ -15374,7 +15402,7 @@
                         <a:tabLst/>
                       </a:pPr>
                       <a:r>
-                        <a:rPr kumimoji="0" lang="en-US" altLang="zh-TW" sz="2000" b="0" i="0" u="none" strike="noStrike" cap="none" normalizeH="0" baseline="0" dirty="0" smtClean="0">
+                        <a:rPr kumimoji="0" lang="en-US" altLang="zh-TW" sz="1800" b="0" i="0" u="none" strike="noStrike" cap="none" normalizeH="0" baseline="0" dirty="0" smtClean="0">
                           <a:ln>
                             <a:noFill/>
                           </a:ln>
@@ -15387,7 +15415,7 @@
                         </a:rPr>
                         <a:t>2014/02~2014/04</a:t>
                       </a:r>
-                      <a:endParaRPr kumimoji="0" lang="zh-TW" altLang="en-US" sz="2000" b="0" i="0" u="none" strike="noStrike" cap="none" normalizeH="0" baseline="0" dirty="0">
+                      <a:endParaRPr kumimoji="0" lang="zh-TW" altLang="en-US" sz="1800" b="0" i="0" u="none" strike="noStrike" cap="none" normalizeH="0" baseline="0" dirty="0">
                         <a:ln>
                           <a:noFill/>
                         </a:ln>
@@ -15470,7 +15498,7 @@
                         <a:tabLst/>
                       </a:pPr>
                       <a:r>
-                        <a:rPr kumimoji="0" lang="en-US" altLang="zh-TW" sz="2000" b="0" i="0" u="none" strike="noStrike" cap="none" normalizeH="0" baseline="0" dirty="0" smtClean="0">
+                        <a:rPr kumimoji="0" lang="en-US" altLang="zh-TW" sz="1800" b="0" i="0" u="none" strike="noStrike" cap="none" normalizeH="0" baseline="0" dirty="0" smtClean="0">
                           <a:ln>
                             <a:noFill/>
                           </a:ln>
@@ -15483,7 +15511,7 @@
                         </a:rPr>
                         <a:t>5</a:t>
                       </a:r>
-                      <a:endParaRPr kumimoji="0" lang="zh-TW" altLang="en-US" sz="2000" b="0" i="0" u="none" strike="noStrike" cap="none" normalizeH="0" baseline="0" dirty="0">
+                      <a:endParaRPr kumimoji="0" lang="zh-TW" altLang="en-US" sz="1800" b="0" i="0" u="none" strike="noStrike" cap="none" normalizeH="0" baseline="0" dirty="0">
                         <a:ln>
                           <a:noFill/>
                         </a:ln>
@@ -15573,7 +15601,7 @@
                         <a:tabLst/>
                       </a:pPr>
                       <a:r>
-                        <a:rPr kumimoji="0" lang="zh-TW" altLang="en-US" sz="2000" b="0" i="0" u="none" strike="noStrike" cap="none" normalizeH="0" baseline="0" dirty="0" smtClean="0">
+                        <a:rPr kumimoji="0" lang="zh-TW" altLang="en-US" sz="1800" b="0" i="0" u="none" strike="noStrike" cap="none" normalizeH="0" baseline="0" dirty="0" smtClean="0">
                           <a:ln>
                             <a:noFill/>
                           </a:ln>
@@ -15584,23 +15612,9 @@
                           <a:latin typeface="微軟正黑體" panose="020B0604030504040204" pitchFamily="34" charset="-120"/>
                           <a:ea typeface="微軟正黑體" panose="020B0604030504040204" pitchFamily="34" charset="-120"/>
                         </a:rPr>
-                        <a:t>聯瑞</a:t>
+                        <a:t>聯瑞科技公司</a:t>
                       </a:r>
-                      <a:r>
-                        <a:rPr kumimoji="0" lang="zh-TW" altLang="en-US" sz="2000" b="0" i="0" u="none" strike="noStrike" cap="none" normalizeH="0" baseline="0" dirty="0" smtClean="0">
-                          <a:ln>
-                            <a:noFill/>
-                          </a:ln>
-                          <a:solidFill>
-                            <a:schemeClr val="tx1"/>
-                          </a:solidFill>
-                          <a:effectLst/>
-                          <a:latin typeface="微軟正黑體" panose="020B0604030504040204" pitchFamily="34" charset="-120"/>
-                          <a:ea typeface="微軟正黑體" panose="020B0604030504040204" pitchFamily="34" charset="-120"/>
-                        </a:rPr>
-                        <a:t>科技公司</a:t>
-                      </a:r>
-                      <a:endParaRPr kumimoji="0" lang="zh-TW" altLang="en-US" sz="2000" b="0" i="0" u="none" strike="noStrike" cap="none" normalizeH="0" baseline="0" dirty="0">
+                      <a:endParaRPr kumimoji="0" lang="zh-TW" altLang="en-US" sz="1800" b="0" i="0" u="none" strike="noStrike" cap="none" normalizeH="0" baseline="0" dirty="0">
                         <a:ln>
                           <a:noFill/>
                         </a:ln>
@@ -15683,7 +15697,7 @@
                         <a:tabLst/>
                       </a:pPr>
                       <a:r>
-                        <a:rPr kumimoji="0" lang="zh-TW" altLang="en-US" sz="2000" b="0" i="0" u="none" strike="noStrike" cap="none" normalizeH="0" baseline="0" dirty="0" smtClean="0">
+                        <a:rPr kumimoji="0" lang="zh-TW" altLang="en-US" sz="1800" b="0" i="0" u="none" strike="noStrike" cap="none" normalizeH="0" baseline="0" dirty="0" smtClean="0">
                           <a:ln>
                             <a:noFill/>
                           </a:ln>
@@ -15696,7 +15710,7 @@
                         </a:rPr>
                         <a:t>行政助理</a:t>
                       </a:r>
-                      <a:endParaRPr kumimoji="0" lang="zh-TW" altLang="en-US" sz="2000" b="0" i="0" u="none" strike="noStrike" cap="none" normalizeH="0" baseline="0" dirty="0">
+                      <a:endParaRPr kumimoji="0" lang="zh-TW" altLang="en-US" sz="1800" b="0" i="0" u="none" strike="noStrike" cap="none" normalizeH="0" baseline="0" dirty="0">
                         <a:ln>
                           <a:noFill/>
                         </a:ln>
@@ -15779,7 +15793,7 @@
                         <a:tabLst/>
                       </a:pPr>
                       <a:r>
-                        <a:rPr kumimoji="0" lang="zh-TW" altLang="en-US" sz="2000" b="0" i="0" u="none" strike="noStrike" cap="none" normalizeH="0" baseline="0" dirty="0" smtClean="0">
+                        <a:rPr kumimoji="0" lang="zh-TW" altLang="en-US" sz="1800" b="0" i="0" u="none" strike="noStrike" cap="none" normalizeH="0" baseline="0" dirty="0" smtClean="0">
                           <a:ln>
                             <a:noFill/>
                           </a:ln>
@@ -15792,7 +15806,7 @@
                         </a:rPr>
                         <a:t>處理公司交辦之業務</a:t>
                       </a:r>
-                      <a:endParaRPr kumimoji="0" lang="zh-TW" altLang="en-US" sz="2000" b="0" i="0" u="none" strike="noStrike" cap="none" normalizeH="0" baseline="0" dirty="0">
+                      <a:endParaRPr kumimoji="0" lang="zh-TW" altLang="en-US" sz="1800" b="0" i="0" u="none" strike="noStrike" cap="none" normalizeH="0" baseline="0" dirty="0">
                         <a:ln>
                           <a:noFill/>
                         </a:ln>
@@ -15875,7 +15889,7 @@
                         <a:tabLst/>
                       </a:pPr>
                       <a:r>
-                        <a:rPr kumimoji="0" lang="en-US" altLang="zh-TW" sz="2000" b="0" i="0" u="none" strike="noStrike" cap="none" normalizeH="0" baseline="0" dirty="0" smtClean="0">
+                        <a:rPr kumimoji="0" lang="en-US" altLang="zh-TW" sz="1800" b="0" i="0" u="none" strike="noStrike" cap="none" normalizeH="0" baseline="0" dirty="0" smtClean="0">
                           <a:ln>
                             <a:noFill/>
                           </a:ln>
@@ -15888,7 +15902,7 @@
                         </a:rPr>
                         <a:t>2012/01~2012/02</a:t>
                       </a:r>
-                      <a:endParaRPr kumimoji="0" lang="zh-TW" altLang="en-US" sz="2000" b="0" i="0" u="none" strike="noStrike" cap="none" normalizeH="0" baseline="0" dirty="0">
+                      <a:endParaRPr kumimoji="0" lang="zh-TW" altLang="en-US" sz="1800" b="0" i="0" u="none" strike="noStrike" cap="none" normalizeH="0" baseline="0" dirty="0">
                         <a:ln>
                           <a:noFill/>
                         </a:ln>
@@ -15971,7 +15985,7 @@
                         <a:tabLst/>
                       </a:pPr>
                       <a:r>
-                        <a:rPr kumimoji="0" lang="en-US" altLang="zh-TW" sz="2000" b="0" i="0" u="none" strike="noStrike" cap="none" normalizeH="0" baseline="0" dirty="0" smtClean="0">
+                        <a:rPr kumimoji="0" lang="en-US" altLang="zh-TW" sz="1800" b="0" i="0" u="none" strike="noStrike" cap="none" normalizeH="0" baseline="0" dirty="0" smtClean="0">
                           <a:ln>
                             <a:noFill/>
                           </a:ln>
@@ -15984,7 +15998,7 @@
                         </a:rPr>
                         <a:t>4</a:t>
                       </a:r>
-                      <a:endParaRPr kumimoji="0" lang="zh-TW" altLang="en-US" sz="2000" b="0" i="0" u="none" strike="noStrike" cap="none" normalizeH="0" baseline="0" dirty="0">
+                      <a:endParaRPr kumimoji="0" lang="zh-TW" altLang="en-US" sz="1800" b="0" i="0" u="none" strike="noStrike" cap="none" normalizeH="0" baseline="0" dirty="0">
                         <a:ln>
                           <a:noFill/>
                         </a:ln>
@@ -16061,6 +16075,13 @@
   <p:transition>
     <p:wipe dir="r"/>
   </p:transition>
+  <p:timing>
+    <p:tnLst>
+      <p:par>
+        <p:cTn id="1" dur="indefinite" restart="never" nodeType="tmRoot"/>
+      </p:par>
+    </p:tnLst>
+  </p:timing>
 </p:sld>
 </file>
 
@@ -17151,6 +17172,13 @@
   <p:transition>
     <p:wipe dir="r"/>
   </p:transition>
+  <p:timing>
+    <p:tnLst>
+      <p:par>
+        <p:cTn id="1" dur="indefinite" restart="never" nodeType="tmRoot"/>
+      </p:par>
+    </p:tnLst>
+  </p:timing>
 </p:sld>
 </file>
 
@@ -18569,6 +18597,13 @@
   <p:transition>
     <p:wipe dir="r"/>
   </p:transition>
+  <p:timing>
+    <p:tnLst>
+      <p:par>
+        <p:cTn id="1" dur="indefinite" restart="never" nodeType="tmRoot"/>
+      </p:par>
+    </p:tnLst>
+  </p:timing>
 </p:sld>
 </file>
 
@@ -18651,8 +18686,29 @@
             <a:pPr eaLnBrk="1" hangingPunct="1"/>
             <a:r>
               <a:rPr lang="zh-TW" altLang="en-US" sz="3900" b="1" dirty="0"/>
-              <a:t>專業報告</a:t>
+              <a:t>專業</a:t>
             </a:r>
+            <a:r>
+              <a:rPr lang="zh-TW" altLang="en-US" sz="3900" b="1" dirty="0" smtClean="0"/>
+              <a:t>報告</a:t>
+            </a:r>
+            <a:r>
+              <a:rPr lang="en-US" altLang="zh-TW" sz="3900" b="1" dirty="0" smtClean="0"/>
+              <a:t>-</a:t>
+            </a:r>
+            <a:r>
+              <a:rPr lang="zh-TW" altLang="en-US" sz="3900" b="1" dirty="0" smtClean="0"/>
+              <a:t>導入</a:t>
+            </a:r>
+            <a:r>
+              <a:rPr lang="en-US" altLang="zh-TW" sz="3900" b="1" dirty="0" smtClean="0"/>
+              <a:t>DevOps</a:t>
+            </a:r>
+            <a:r>
+              <a:rPr lang="zh-TW" altLang="en-US" sz="3900" b="1" dirty="0" smtClean="0"/>
+              <a:t>背景</a:t>
+            </a:r>
+            <a:endParaRPr lang="zh-TW" altLang="en-US" sz="3900" b="1" dirty="0"/>
           </a:p>
         </p:txBody>
       </p:sp>
@@ -19010,7 +19066,7 @@
         <p:spPr>
           <a:xfrm>
             <a:off x="455898" y="1188472"/>
-            <a:ext cx="8271644" cy="6647974"/>
+            <a:ext cx="8271644" cy="4524315"/>
           </a:xfrm>
           <a:prstGeom prst="rect">
             <a:avLst/>
@@ -19029,104 +19085,160 @@
               </a:lnSpc>
             </a:pPr>
             <a:r>
-              <a:rPr lang="zh-TW" altLang="en-US" sz="2000" dirty="0" smtClean="0">
+              <a:rPr lang="zh-TW" altLang="en-US" sz="2400" dirty="0" smtClean="0">
                 <a:latin typeface="+mj-ea"/>
                 <a:ea typeface="+mj-ea"/>
               </a:rPr>
-              <a:t>    目前</a:t>
+              <a:t>    前言：目前</a:t>
             </a:r>
             <a:r>
-              <a:rPr lang="zh-TW" altLang="en-US" sz="2000" dirty="0">
+              <a:rPr lang="zh-TW" altLang="en-US" sz="2400" dirty="0">
                 <a:latin typeface="+mj-ea"/>
                 <a:ea typeface="+mj-ea"/>
               </a:rPr>
               <a:t>於現職公司</a:t>
             </a:r>
             <a:r>
-              <a:rPr lang="zh-TW" altLang="en-US" sz="2000" dirty="0" smtClean="0">
+              <a:rPr lang="zh-TW" altLang="en-US" sz="2400" dirty="0" smtClean="0">
                 <a:latin typeface="+mj-ea"/>
                 <a:ea typeface="+mj-ea"/>
               </a:rPr>
-              <a:t>進行</a:t>
+              <a:t>進行「</a:t>
             </a:r>
             <a:r>
-              <a:rPr lang="zh-TW" altLang="zh-TW" sz="2000" dirty="0">
+              <a:rPr lang="zh-TW" altLang="zh-TW" sz="2400" dirty="0" smtClean="0">
                 <a:latin typeface="+mj-ea"/>
                 <a:ea typeface="+mj-ea"/>
               </a:rPr>
-              <a:t>放款貸中的轉換</a:t>
+              <a:t>放款</a:t>
             </a:r>
             <a:r>
-              <a:rPr lang="zh-TW" altLang="zh-TW" sz="2000" dirty="0" smtClean="0">
+              <a:rPr lang="zh-TW" altLang="zh-TW" sz="2400" dirty="0">
                 <a:latin typeface="+mj-ea"/>
                 <a:ea typeface="+mj-ea"/>
               </a:rPr>
-              <a:t>專案</a:t>
+              <a:t>貸</a:t>
             </a:r>
             <a:r>
-              <a:rPr lang="zh-TW" altLang="en-US" sz="2000" dirty="0" smtClean="0">
+              <a:rPr lang="zh-TW" altLang="zh-TW" sz="2400" dirty="0" smtClean="0">
+                <a:latin typeface="+mj-ea"/>
+                <a:ea typeface="+mj-ea"/>
+              </a:rPr>
+              <a:t>中轉換專案</a:t>
+            </a:r>
+            <a:r>
+              <a:rPr lang="zh-TW" altLang="en-US" sz="2400" dirty="0" smtClean="0">
+                <a:latin typeface="+mj-ea"/>
+                <a:ea typeface="+mj-ea"/>
+              </a:rPr>
+              <a:t>」，</a:t>
+            </a:r>
+            <a:r>
+              <a:rPr lang="zh-TW" altLang="zh-TW" sz="2400" dirty="0" smtClean="0">
+                <a:latin typeface="+mj-ea"/>
+                <a:ea typeface="+mj-ea"/>
+              </a:rPr>
+              <a:t>目的</a:t>
+            </a:r>
+            <a:r>
+              <a:rPr lang="zh-TW" altLang="en-US" sz="2400" dirty="0">
+                <a:latin typeface="+mj-ea"/>
+                <a:ea typeface="+mj-ea"/>
+              </a:rPr>
+              <a:t>將為</a:t>
+            </a:r>
+            <a:r>
+              <a:rPr lang="zh-TW" altLang="zh-TW" sz="2400" dirty="0" smtClean="0">
+                <a:latin typeface="+mj-ea"/>
+                <a:ea typeface="+mj-ea"/>
+              </a:rPr>
+              <a:t>原先</a:t>
+            </a:r>
+            <a:r>
+              <a:rPr lang="zh-TW" altLang="zh-TW" sz="2400" dirty="0">
+                <a:latin typeface="+mj-ea"/>
+                <a:ea typeface="+mj-ea"/>
+              </a:rPr>
+              <a:t>架設</a:t>
+            </a:r>
+            <a:r>
+              <a:rPr lang="zh-TW" altLang="zh-TW" sz="2400" dirty="0" smtClean="0">
+                <a:latin typeface="+mj-ea"/>
+                <a:ea typeface="+mj-ea"/>
+              </a:rPr>
+              <a:t>於</a:t>
+            </a:r>
+            <a:r>
+              <a:rPr lang="zh-TW" altLang="en-US" sz="2400" b="1" dirty="0" smtClean="0">
+                <a:latin typeface="+mj-ea"/>
+                <a:ea typeface="+mj-ea"/>
+              </a:rPr>
+              <a:t>大型主機</a:t>
+            </a:r>
+            <a:r>
+              <a:rPr lang="en-US" altLang="zh-TW" sz="2400" b="1" dirty="0" smtClean="0">
+                <a:latin typeface="+mj-ea"/>
+                <a:ea typeface="+mj-ea"/>
+              </a:rPr>
+              <a:t>AS400</a:t>
+            </a:r>
+            <a:r>
+              <a:rPr lang="zh-TW" altLang="en-US" sz="2400" b="1" dirty="0">
+                <a:latin typeface="+mj-ea"/>
+                <a:ea typeface="+mj-ea"/>
+              </a:rPr>
+              <a:t>的</a:t>
+            </a:r>
+            <a:r>
+              <a:rPr lang="zh-TW" altLang="zh-TW" sz="2400" b="1" dirty="0" smtClean="0">
+                <a:latin typeface="+mj-ea"/>
+                <a:ea typeface="+mj-ea"/>
+              </a:rPr>
+              <a:t>系統</a:t>
+            </a:r>
+            <a:r>
+              <a:rPr lang="zh-TW" altLang="zh-TW" sz="2400" b="1" dirty="0">
+                <a:latin typeface="+mj-ea"/>
+                <a:ea typeface="+mj-ea"/>
+              </a:rPr>
+              <a:t>轉換</a:t>
+            </a:r>
+            <a:r>
+              <a:rPr lang="zh-TW" altLang="zh-TW" sz="2400" b="1" dirty="0" smtClean="0">
+                <a:latin typeface="+mj-ea"/>
+                <a:ea typeface="+mj-ea"/>
+              </a:rPr>
+              <a:t>成網頁系統</a:t>
+            </a:r>
+            <a:r>
+              <a:rPr lang="zh-TW" altLang="en-US" sz="2400" dirty="0">
                 <a:latin typeface="+mj-ea"/>
                 <a:ea typeface="+mj-ea"/>
               </a:rPr>
               <a:t>，</a:t>
             </a:r>
             <a:r>
-              <a:rPr lang="zh-TW" altLang="zh-TW" sz="2000" dirty="0" smtClean="0">
+              <a:rPr lang="zh-TW" altLang="en-US" sz="2400" dirty="0" smtClean="0">
                 <a:latin typeface="+mj-ea"/>
                 <a:ea typeface="+mj-ea"/>
               </a:rPr>
-              <a:t>目的</a:t>
+              <a:t>執行過程導入了</a:t>
             </a:r>
             <a:r>
-              <a:rPr lang="zh-TW" altLang="zh-TW" sz="2000" dirty="0">
+              <a:rPr lang="en-US" altLang="zh-TW" sz="2400" dirty="0" smtClean="0">
                 <a:latin typeface="+mj-ea"/>
                 <a:ea typeface="+mj-ea"/>
               </a:rPr>
-              <a:t>是把原先架設</a:t>
+              <a:t>DevOps</a:t>
             </a:r>
             <a:r>
-              <a:rPr lang="zh-TW" altLang="zh-TW" sz="2000" dirty="0" smtClean="0">
+              <a:rPr lang="zh-TW" altLang="en-US" sz="2400" dirty="0" smtClean="0">
                 <a:latin typeface="+mj-ea"/>
                 <a:ea typeface="+mj-ea"/>
               </a:rPr>
-              <a:t>於</a:t>
+              <a:t>工具以輔助專案的執行。</a:t>
             </a:r>
-            <a:r>
-              <a:rPr lang="zh-TW" altLang="en-US" sz="2000" dirty="0" smtClean="0">
-                <a:latin typeface="+mj-ea"/>
-                <a:ea typeface="+mj-ea"/>
-              </a:rPr>
-              <a:t>大型主機</a:t>
-            </a:r>
-            <a:r>
-              <a:rPr lang="en-US" altLang="zh-TW" sz="2000" dirty="0" smtClean="0">
-                <a:latin typeface="+mj-ea"/>
-                <a:ea typeface="+mj-ea"/>
-              </a:rPr>
-              <a:t>AS400</a:t>
-            </a:r>
-            <a:r>
-              <a:rPr lang="zh-TW" altLang="zh-TW" sz="2000" dirty="0">
-                <a:latin typeface="+mj-ea"/>
-                <a:ea typeface="+mj-ea"/>
-              </a:rPr>
-              <a:t>的系統轉換</a:t>
-            </a:r>
-            <a:r>
-              <a:rPr lang="zh-TW" altLang="zh-TW" sz="2000" dirty="0" smtClean="0">
-                <a:latin typeface="+mj-ea"/>
-                <a:ea typeface="+mj-ea"/>
-              </a:rPr>
-              <a:t>成網頁系統</a:t>
-            </a:r>
-            <a:r>
-              <a:rPr lang="zh-TW" altLang="en-US" sz="2000" dirty="0" smtClean="0">
-                <a:latin typeface="+mj-ea"/>
-                <a:ea typeface="+mj-ea"/>
-              </a:rPr>
-              <a:t>。</a:t>
-            </a:r>
-            <a:endParaRPr lang="en-US" altLang="zh-TW" sz="2000" dirty="0" smtClean="0">
+            <a:endParaRPr lang="en-US" altLang="zh-TW" sz="2400" dirty="0" smtClean="0">
               <a:latin typeface="+mj-ea"/>
               <a:ea typeface="+mj-ea"/>
             </a:endParaRPr>
@@ -19140,7 +19252,7 @@
               <a:buChar char="•"/>
             </a:pPr>
             <a:r>
-              <a:rPr lang="zh-TW" altLang="en-US" sz="2000" dirty="0" smtClean="0">
+              <a:rPr lang="zh-TW" altLang="en-US" sz="2400" dirty="0" smtClean="0">
                 <a:solidFill>
                   <a:srgbClr val="FF0000"/>
                 </a:solidFill>
@@ -19150,7 +19262,7 @@
               <a:t>轉換原因</a:t>
             </a:r>
             <a:r>
-              <a:rPr lang="zh-TW" altLang="en-US" sz="2000" dirty="0" smtClean="0">
+              <a:rPr lang="zh-TW" altLang="en-US" sz="2400" dirty="0" smtClean="0">
                 <a:solidFill>
                   <a:srgbClr val="FF0000"/>
                 </a:solidFill>
@@ -19159,7 +19271,7 @@
               </a:rPr>
               <a:t>：</a:t>
             </a:r>
-            <a:endParaRPr lang="en-US" altLang="zh-TW" sz="2000" dirty="0">
+            <a:endParaRPr lang="en-US" altLang="zh-TW" sz="2400" dirty="0">
               <a:solidFill>
                 <a:srgbClr val="FF0000"/>
               </a:solidFill>
@@ -19176,14 +19288,14 @@
               <a:buAutoNum type="arabicPeriod"/>
             </a:pPr>
             <a:r>
-              <a:rPr lang="zh-TW" altLang="en-US" sz="2000" dirty="0" smtClean="0">
+              <a:rPr lang="zh-TW" altLang="en-US" sz="2400" dirty="0" smtClean="0">
                 <a:latin typeface="+mj-ea"/>
                 <a:ea typeface="+mj-ea"/>
               </a:rPr>
               <a:t>系統</a:t>
             </a:r>
             <a:r>
-              <a:rPr lang="zh-TW" altLang="en-US" sz="2000" dirty="0">
+              <a:rPr lang="zh-TW" altLang="en-US" sz="2400" dirty="0">
                 <a:latin typeface="+mj-ea"/>
                 <a:ea typeface="+mj-ea"/>
               </a:rPr>
@@ -19199,21 +19311,21 @@
               <a:buAutoNum type="arabicPeriod"/>
             </a:pPr>
             <a:r>
-              <a:rPr lang="zh-TW" altLang="en-US" sz="2000" dirty="0">
+              <a:rPr lang="zh-TW" altLang="en-US" sz="2400" dirty="0">
                 <a:latin typeface="+mj-ea"/>
                 <a:ea typeface="+mj-ea"/>
               </a:rPr>
               <a:t>會</a:t>
             </a:r>
             <a:r>
-              <a:rPr lang="en-US" altLang="zh-TW" sz="2000" dirty="0">
+              <a:rPr lang="en-US" altLang="zh-TW" sz="2400" dirty="0">
                 <a:latin typeface="+mj-ea"/>
                 <a:ea typeface="+mj-ea"/>
               </a:rPr>
               <a:t>AS400</a:t>
             </a:r>
             <a:r>
-              <a:rPr lang="zh-TW" altLang="en-US" sz="2000" dirty="0">
+              <a:rPr lang="zh-TW" altLang="en-US" sz="2400" dirty="0">
                 <a:latin typeface="+mj-ea"/>
                 <a:ea typeface="+mj-ea"/>
               </a:rPr>
@@ -19229,7 +19341,7 @@
               <a:buAutoNum type="arabicPeriod"/>
             </a:pPr>
             <a:r>
-              <a:rPr lang="zh-TW" altLang="en-US" sz="2000" dirty="0">
+              <a:rPr lang="zh-TW" altLang="en-US" sz="2400" dirty="0">
                 <a:latin typeface="+mj-ea"/>
                 <a:ea typeface="+mj-ea"/>
               </a:rPr>
@@ -19245,139 +19357,29 @@
               <a:buAutoNum type="arabicPeriod"/>
             </a:pPr>
             <a:r>
-              <a:rPr lang="zh-TW" altLang="en-US" sz="2000" dirty="0">
+              <a:rPr lang="zh-TW" altLang="en-US" sz="2400" dirty="0">
                 <a:latin typeface="+mj-ea"/>
                 <a:ea typeface="+mj-ea"/>
               </a:rPr>
-              <a:t>資安疑慮</a:t>
+              <a:t>資安</a:t>
             </a:r>
             <a:r>
-              <a:rPr lang="zh-TW" altLang="en-US" sz="2000" dirty="0" smtClean="0">
+              <a:rPr lang="zh-TW" altLang="en-US" sz="2400">
+                <a:latin typeface="+mj-ea"/>
+                <a:ea typeface="+mj-ea"/>
+              </a:rPr>
+              <a:t>疑慮</a:t>
+            </a:r>
+            <a:r>
+              <a:rPr lang="zh-TW" altLang="en-US" sz="2400" smtClean="0">
                 <a:latin typeface="+mj-ea"/>
                 <a:ea typeface="+mj-ea"/>
               </a:rPr>
               <a:t>。</a:t>
             </a:r>
-            <a:endParaRPr lang="en-US" altLang="zh-TW" sz="2000" dirty="0" smtClean="0">
-              <a:latin typeface="+mj-ea"/>
-              <a:ea typeface="+mj-ea"/>
-            </a:endParaRPr>
-          </a:p>
-          <a:p>
-            <a:pPr algn="just">
-              <a:lnSpc>
-                <a:spcPct val="150000"/>
-              </a:lnSpc>
-            </a:pPr>
-            <a:r>
-              <a:rPr lang="zh-TW" altLang="en-US" sz="2000" dirty="0" smtClean="0">
-                <a:latin typeface="+mj-ea"/>
-                <a:ea typeface="+mj-ea"/>
-              </a:rPr>
-              <a:t>     為了達成成功專案需必備的因素，在專案執行過程導入不同的工具軟體以輔助專案執行。</a:t>
-            </a:r>
-            <a:endParaRPr lang="en-US" altLang="zh-TW" sz="2000" dirty="0" smtClean="0">
-              <a:latin typeface="+mj-ea"/>
-              <a:ea typeface="+mj-ea"/>
-            </a:endParaRPr>
-          </a:p>
-          <a:p>
-            <a:pPr marL="342900" indent="-342900" algn="just">
-              <a:lnSpc>
-                <a:spcPct val="150000"/>
-              </a:lnSpc>
-              <a:buFont typeface="Arial" panose="020B0604020202020204" pitchFamily="34" charset="0"/>
-              <a:buChar char="•"/>
-            </a:pPr>
-            <a:r>
-              <a:rPr lang="zh-TW" altLang="en-US" sz="2000" dirty="0" smtClean="0">
-                <a:solidFill>
-                  <a:srgbClr val="FF0000"/>
-                </a:solidFill>
-                <a:latin typeface="+mj-ea"/>
-                <a:ea typeface="+mj-ea"/>
-              </a:rPr>
-              <a:t>專案透明度</a:t>
-            </a:r>
-            <a:endParaRPr lang="en-US" altLang="zh-TW" sz="2000" dirty="0" smtClean="0">
-              <a:solidFill>
-                <a:srgbClr val="FF0000"/>
-              </a:solidFill>
-              <a:latin typeface="+mj-ea"/>
-              <a:ea typeface="+mj-ea"/>
-            </a:endParaRPr>
-          </a:p>
-          <a:p>
-            <a:pPr marL="342900" indent="-342900" algn="just">
-              <a:lnSpc>
-                <a:spcPct val="150000"/>
-              </a:lnSpc>
-              <a:buFont typeface="Arial" panose="020B0604020202020204" pitchFamily="34" charset="0"/>
-              <a:buChar char="•"/>
-            </a:pPr>
-            <a:r>
-              <a:rPr lang="zh-TW" altLang="en-US" sz="2000" dirty="0" smtClean="0">
-                <a:solidFill>
-                  <a:srgbClr val="FF0000"/>
-                </a:solidFill>
-                <a:latin typeface="+mj-ea"/>
-                <a:ea typeface="+mj-ea"/>
-              </a:rPr>
-              <a:t>專案品質控</a:t>
-            </a:r>
-            <a:r>
-              <a:rPr lang="zh-TW" altLang="en-US" sz="2000" dirty="0">
-                <a:solidFill>
-                  <a:srgbClr val="FF0000"/>
-                </a:solidFill>
-                <a:latin typeface="+mj-ea"/>
-                <a:ea typeface="+mj-ea"/>
-              </a:rPr>
-              <a:t>管</a:t>
-            </a:r>
-            <a:endParaRPr lang="en-US" altLang="zh-TW" sz="2000" dirty="0" smtClean="0">
-              <a:solidFill>
-                <a:srgbClr val="FF0000"/>
-              </a:solidFill>
-              <a:latin typeface="+mj-ea"/>
-              <a:ea typeface="+mj-ea"/>
-            </a:endParaRPr>
-          </a:p>
-          <a:p>
-            <a:pPr lvl="1" algn="l"/>
             <a:endParaRPr lang="en-US" altLang="zh-TW" sz="2400" dirty="0" smtClean="0">
               <a:latin typeface="+mj-ea"/>
               <a:ea typeface="+mj-ea"/>
-            </a:endParaRPr>
-          </a:p>
-          <a:p>
-            <a:pPr lvl="1" algn="l">
-              <a:buFont typeface="+mj-lt"/>
-              <a:buAutoNum type="arabicPeriod"/>
-            </a:pPr>
-            <a:endParaRPr lang="zh-TW" altLang="en-US" sz="2400" dirty="0">
-              <a:latin typeface="+mj-ea"/>
-              <a:ea typeface="+mj-ea"/>
-            </a:endParaRPr>
-          </a:p>
-          <a:p>
-            <a:pPr marL="457200" indent="-457200" algn="just">
-              <a:buFont typeface="+mj-lt"/>
-              <a:buAutoNum type="arabicPeriod"/>
-            </a:pPr>
-            <a:endParaRPr lang="en-US" altLang="zh-TW" sz="2400" dirty="0">
-              <a:latin typeface="+mj-ea"/>
-              <a:ea typeface="+mj-ea"/>
-            </a:endParaRPr>
-          </a:p>
-          <a:p>
-            <a:pPr marL="342900" indent="-342900" algn="just">
-              <a:buFont typeface="Arial" panose="020B0604020202020204" pitchFamily="34" charset="0"/>
-              <a:buChar char="•"/>
-            </a:pPr>
-            <a:endParaRPr lang="zh-TW" altLang="en-US" sz="2400" dirty="0">
-              <a:latin typeface="微軟正黑體" panose="020B0604030504040204" pitchFamily="34" charset="-120"/>
-              <a:ea typeface="微軟正黑體" panose="020B0604030504040204" pitchFamily="34" charset="-120"/>
             </a:endParaRPr>
           </a:p>
         </p:txBody>
@@ -19390,6 +19392,13 @@
   <p:transition>
     <p:wipe dir="r"/>
   </p:transition>
+  <p:timing>
+    <p:tnLst>
+      <p:par>
+        <p:cTn id="1" dur="indefinite" restart="never" nodeType="tmRoot"/>
+      </p:par>
+    </p:tnLst>
+  </p:timing>
 </p:sld>
 </file>
 
@@ -19461,7 +19470,7 @@
         </p:nvSpPr>
         <p:spPr>
           <a:xfrm>
-            <a:off x="228600" y="308399"/>
+            <a:off x="228595" y="590644"/>
             <a:ext cx="8663881" cy="725488"/>
           </a:xfrm>
         </p:spPr>
@@ -19471,9 +19480,22 @@
           <a:p>
             <a:pPr eaLnBrk="1" hangingPunct="1"/>
             <a:r>
-              <a:rPr lang="zh-TW" altLang="en-US" sz="3900" b="1" dirty="0"/>
-              <a:t>專業報告</a:t>
+              <a:rPr lang="zh-TW" altLang="en-US" sz="3600" b="1" dirty="0"/>
+              <a:t>專業</a:t>
             </a:r>
+            <a:r>
+              <a:rPr lang="zh-TW" altLang="en-US" sz="3600" b="1" dirty="0" smtClean="0"/>
+              <a:t>報告</a:t>
+            </a:r>
+            <a:r>
+              <a:rPr lang="en-US" altLang="zh-TW" sz="3600" b="1" dirty="0" smtClean="0"/>
+              <a:t>-DevOps</a:t>
+            </a:r>
+            <a:r>
+              <a:rPr lang="zh-TW" altLang="en-US" sz="3600" b="1" dirty="0" smtClean="0"/>
+              <a:t>導入相關</a:t>
+            </a:r>
+            <a:endParaRPr lang="zh-TW" altLang="en-US" sz="3600" b="1" dirty="0"/>
           </a:p>
         </p:txBody>
       </p:sp>
@@ -19593,8 +19615,8 @@
         </p:blipFill>
         <p:spPr bwMode="auto">
           <a:xfrm>
-            <a:off x="228599" y="1111474"/>
-            <a:ext cx="8663882" cy="5213126"/>
+            <a:off x="240059" y="1628799"/>
+            <a:ext cx="8724430" cy="4105251"/>
           </a:xfrm>
           <a:prstGeom prst="rect">
             <a:avLst/>
@@ -19608,449 +19630,1030 @@
           </a:ln>
         </p:spPr>
       </p:pic>
-      <p:sp>
-        <p:nvSpPr>
-          <p:cNvPr id="7" name="標題 1"/>
-          <p:cNvSpPr txBox="1">
-            <a:spLocks/>
-          </p:cNvSpPr>
-          <p:nvPr/>
-        </p:nvSpPr>
-        <p:spPr bwMode="auto">
-          <a:xfrm>
-            <a:off x="578990" y="1188472"/>
-            <a:ext cx="7963099" cy="4832816"/>
-          </a:xfrm>
-          <a:prstGeom prst="rect">
-            <a:avLst/>
-          </a:prstGeom>
-          <a:noFill/>
-          <a:ln w="9525">
-            <a:noFill/>
-            <a:miter lim="800000"/>
-            <a:headEnd/>
-            <a:tailEnd/>
-          </a:ln>
-        </p:spPr>
-        <p:txBody>
-          <a:bodyPr vert="horz" wrap="square" lIns="91440" tIns="45720" rIns="91440" bIns="45720" numCol="1" anchor="t" anchorCtr="0" compatLnSpc="1">
-            <a:prstTxWarp prst="textNoShape">
-              <a:avLst/>
-            </a:prstTxWarp>
-          </a:bodyPr>
-          <a:lstStyle>
-            <a:lvl1pPr algn="ctr" rtl="0" eaLnBrk="0" fontAlgn="base" hangingPunct="0">
-              <a:spcBef>
-                <a:spcPct val="0"/>
-              </a:spcBef>
-              <a:spcAft>
-                <a:spcPct val="0"/>
-              </a:spcAft>
-              <a:defRPr sz="3300" kern="1200">
-                <a:solidFill>
-                  <a:srgbClr val="7B9899"/>
-                </a:solidFill>
-                <a:latin typeface="+mj-lt"/>
-                <a:ea typeface="+mj-ea"/>
-                <a:cs typeface="+mj-cs"/>
-              </a:defRPr>
-            </a:lvl1pPr>
-            <a:lvl2pPr algn="ctr" rtl="0" eaLnBrk="0" fontAlgn="base" hangingPunct="0">
-              <a:spcBef>
-                <a:spcPct val="0"/>
-              </a:spcBef>
-              <a:spcAft>
-                <a:spcPct val="0"/>
-              </a:spcAft>
-              <a:defRPr sz="3300">
-                <a:solidFill>
-                  <a:srgbClr val="7B9899"/>
-                </a:solidFill>
-                <a:latin typeface="Georgia" pitchFamily="18" charset="0"/>
-                <a:ea typeface="微軟正黑體" pitchFamily="34" charset="-120"/>
-              </a:defRPr>
-            </a:lvl2pPr>
-            <a:lvl3pPr algn="ctr" rtl="0" eaLnBrk="0" fontAlgn="base" hangingPunct="0">
-              <a:spcBef>
-                <a:spcPct val="0"/>
-              </a:spcBef>
-              <a:spcAft>
-                <a:spcPct val="0"/>
-              </a:spcAft>
-              <a:defRPr sz="3300">
-                <a:solidFill>
-                  <a:srgbClr val="7B9899"/>
-                </a:solidFill>
-                <a:latin typeface="Georgia" pitchFamily="18" charset="0"/>
-                <a:ea typeface="微軟正黑體" pitchFamily="34" charset="-120"/>
-              </a:defRPr>
-            </a:lvl3pPr>
-            <a:lvl4pPr algn="ctr" rtl="0" eaLnBrk="0" fontAlgn="base" hangingPunct="0">
-              <a:spcBef>
-                <a:spcPct val="0"/>
-              </a:spcBef>
-              <a:spcAft>
-                <a:spcPct val="0"/>
-              </a:spcAft>
-              <a:defRPr sz="3300">
-                <a:solidFill>
-                  <a:srgbClr val="7B9899"/>
-                </a:solidFill>
-                <a:latin typeface="Georgia" pitchFamily="18" charset="0"/>
-                <a:ea typeface="微軟正黑體" pitchFamily="34" charset="-120"/>
-              </a:defRPr>
-            </a:lvl4pPr>
-            <a:lvl5pPr algn="ctr" rtl="0" eaLnBrk="0" fontAlgn="base" hangingPunct="0">
-              <a:spcBef>
-                <a:spcPct val="0"/>
-              </a:spcBef>
-              <a:spcAft>
-                <a:spcPct val="0"/>
-              </a:spcAft>
-              <a:defRPr sz="3300">
-                <a:solidFill>
-                  <a:srgbClr val="7B9899"/>
-                </a:solidFill>
-                <a:latin typeface="Georgia" pitchFamily="18" charset="0"/>
-                <a:ea typeface="微軟正黑體" pitchFamily="34" charset="-120"/>
-              </a:defRPr>
-            </a:lvl5pPr>
-            <a:lvl6pPr marL="457200" algn="ctr" rtl="0" fontAlgn="base">
-              <a:spcBef>
-                <a:spcPct val="0"/>
-              </a:spcBef>
-              <a:spcAft>
-                <a:spcPct val="0"/>
-              </a:spcAft>
-              <a:defRPr sz="3300">
-                <a:solidFill>
-                  <a:srgbClr val="7B9899"/>
-                </a:solidFill>
-                <a:latin typeface="Georgia" pitchFamily="18" charset="0"/>
-                <a:ea typeface="微軟正黑體" pitchFamily="34" charset="-120"/>
-              </a:defRPr>
-            </a:lvl6pPr>
-            <a:lvl7pPr marL="914400" algn="ctr" rtl="0" fontAlgn="base">
-              <a:spcBef>
-                <a:spcPct val="0"/>
-              </a:spcBef>
-              <a:spcAft>
-                <a:spcPct val="0"/>
-              </a:spcAft>
-              <a:defRPr sz="3300">
-                <a:solidFill>
-                  <a:srgbClr val="7B9899"/>
-                </a:solidFill>
-                <a:latin typeface="Georgia" pitchFamily="18" charset="0"/>
-                <a:ea typeface="微軟正黑體" pitchFamily="34" charset="-120"/>
-              </a:defRPr>
-            </a:lvl7pPr>
-            <a:lvl8pPr marL="1371600" algn="ctr" rtl="0" fontAlgn="base">
-              <a:spcBef>
-                <a:spcPct val="0"/>
-              </a:spcBef>
-              <a:spcAft>
-                <a:spcPct val="0"/>
-              </a:spcAft>
-              <a:defRPr sz="3300">
-                <a:solidFill>
-                  <a:srgbClr val="7B9899"/>
-                </a:solidFill>
-                <a:latin typeface="Georgia" pitchFamily="18" charset="0"/>
-                <a:ea typeface="微軟正黑體" pitchFamily="34" charset="-120"/>
-              </a:defRPr>
-            </a:lvl8pPr>
-            <a:lvl9pPr marL="1828800" algn="ctr" rtl="0" fontAlgn="base">
-              <a:spcBef>
-                <a:spcPct val="0"/>
-              </a:spcBef>
-              <a:spcAft>
-                <a:spcPct val="0"/>
-              </a:spcAft>
-              <a:defRPr sz="3300">
-                <a:solidFill>
-                  <a:srgbClr val="7B9899"/>
-                </a:solidFill>
-                <a:latin typeface="Georgia" pitchFamily="18" charset="0"/>
-                <a:ea typeface="微軟正黑體" pitchFamily="34" charset="-120"/>
-              </a:defRPr>
-            </a:lvl9pPr>
-          </a:lstStyle>
-          <a:p>
-            <a:pPr algn="l"/>
-            <a:r>
-              <a:rPr lang="en-US" altLang="zh-TW" sz="2400" b="1" dirty="0">
-                <a:solidFill>
-                  <a:schemeClr val="tx1"/>
-                </a:solidFill>
-                <a:latin typeface="Calibri" panose="020F0502020204030204" pitchFamily="34" charset="0"/>
-                <a:cs typeface="新細明體" panose="02020500000000000000" pitchFamily="18" charset="-120"/>
-              </a:rPr>
-              <a:t>	</a:t>
-            </a:r>
-            <a:r>
-              <a:rPr lang="en-US" altLang="zh-TW" sz="2800" b="1" dirty="0">
-                <a:solidFill>
-                  <a:srgbClr val="0000CC"/>
-                </a:solidFill>
-                <a:latin typeface="Calibri" panose="020F0502020204030204" pitchFamily="34" charset="0"/>
-                <a:cs typeface="新細明體" panose="02020500000000000000" pitchFamily="18" charset="-120"/>
-              </a:rPr>
-              <a:t> </a:t>
-            </a:r>
-            <a:endParaRPr lang="zh-TW" altLang="zh-TW" sz="2800" b="1" dirty="0">
-              <a:solidFill>
-                <a:srgbClr val="0000CC"/>
-              </a:solidFill>
-              <a:latin typeface="Calibri" panose="020F0502020204030204" pitchFamily="34" charset="0"/>
-              <a:cs typeface="新細明體" panose="02020500000000000000" pitchFamily="18" charset="-120"/>
-            </a:endParaRPr>
-          </a:p>
-          <a:p>
-            <a:pPr marL="108000" algn="l">
-              <a:spcAft>
-                <a:spcPts val="0"/>
-              </a:spcAft>
-            </a:pPr>
-            <a:endParaRPr lang="en-US" altLang="zh-TW" sz="2800" b="1" dirty="0">
-              <a:solidFill>
-                <a:srgbClr val="0000CC"/>
-              </a:solidFill>
-              <a:latin typeface="Calibri" panose="020F0502020204030204" pitchFamily="34" charset="0"/>
-              <a:cs typeface="新細明體" panose="02020500000000000000" pitchFamily="18" charset="-120"/>
-            </a:endParaRPr>
-          </a:p>
-        </p:txBody>
-      </p:sp>
-      <p:sp>
-        <p:nvSpPr>
-          <p:cNvPr id="5" name="文字方塊 4"/>
-          <p:cNvSpPr txBox="1"/>
-          <p:nvPr/>
-        </p:nvSpPr>
-        <p:spPr>
-          <a:xfrm>
-            <a:off x="467544" y="1350014"/>
-            <a:ext cx="8271644" cy="1569660"/>
-          </a:xfrm>
-          <a:prstGeom prst="rect">
-            <a:avLst/>
-          </a:prstGeom>
-          <a:noFill/>
-        </p:spPr>
-        <p:txBody>
-          <a:bodyPr wrap="square" rtlCol="0">
-            <a:spAutoFit/>
-          </a:bodyPr>
-          <a:lstStyle/>
-          <a:p>
-            <a:pPr lvl="1" algn="l"/>
-            <a:endParaRPr lang="en-US" altLang="zh-TW" sz="2400" dirty="0" smtClean="0">
-              <a:latin typeface="+mj-ea"/>
-              <a:ea typeface="+mj-ea"/>
-            </a:endParaRPr>
-          </a:p>
-          <a:p>
-            <a:pPr lvl="1" algn="l">
-              <a:buFont typeface="+mj-lt"/>
-              <a:buAutoNum type="arabicPeriod"/>
-            </a:pPr>
-            <a:endParaRPr lang="zh-TW" altLang="en-US" sz="2400" dirty="0">
-              <a:latin typeface="+mj-ea"/>
-              <a:ea typeface="+mj-ea"/>
-            </a:endParaRPr>
-          </a:p>
-          <a:p>
-            <a:pPr marL="457200" indent="-457200" algn="just">
-              <a:buFont typeface="+mj-lt"/>
-              <a:buAutoNum type="arabicPeriod"/>
-            </a:pPr>
-            <a:endParaRPr lang="en-US" altLang="zh-TW" sz="2400" dirty="0">
-              <a:latin typeface="+mj-ea"/>
-              <a:ea typeface="+mj-ea"/>
-            </a:endParaRPr>
-          </a:p>
-          <a:p>
-            <a:pPr marL="342900" indent="-342900" algn="just">
-              <a:buFont typeface="Arial" panose="020B0604020202020204" pitchFamily="34" charset="0"/>
-              <a:buChar char="•"/>
-            </a:pPr>
-            <a:endParaRPr lang="zh-TW" altLang="en-US" sz="2400" dirty="0">
-              <a:latin typeface="微軟正黑體" panose="020B0604030504040204" pitchFamily="34" charset="-120"/>
-              <a:ea typeface="微軟正黑體" panose="020B0604030504040204" pitchFamily="34" charset="-120"/>
-            </a:endParaRPr>
-          </a:p>
-        </p:txBody>
-      </p:sp>
-      <p:sp>
-        <p:nvSpPr>
-          <p:cNvPr id="2" name="文字方塊 1"/>
-          <p:cNvSpPr txBox="1"/>
-          <p:nvPr/>
-        </p:nvSpPr>
-        <p:spPr>
-          <a:xfrm>
-            <a:off x="467543" y="1484784"/>
-            <a:ext cx="8074546" cy="2898101"/>
-          </a:xfrm>
-          <a:prstGeom prst="rect">
-            <a:avLst/>
-          </a:prstGeom>
-          <a:noFill/>
-        </p:spPr>
-        <p:txBody>
-          <a:bodyPr wrap="square" rtlCol="0">
-            <a:spAutoFit/>
-          </a:bodyPr>
-          <a:lstStyle/>
-          <a:p>
-            <a:pPr algn="just">
-              <a:lnSpc>
-                <a:spcPct val="150000"/>
-              </a:lnSpc>
-            </a:pPr>
-            <a:r>
-              <a:rPr lang="zh-TW" altLang="en-US" sz="2000" dirty="0" smtClean="0">
-                <a:latin typeface="+mj-ea"/>
-                <a:ea typeface="+mj-ea"/>
-              </a:rPr>
-              <a:t>    專案目前已在第二輪</a:t>
-            </a:r>
-            <a:r>
-              <a:rPr lang="en-US" altLang="zh-TW" sz="2000" dirty="0" smtClean="0">
-                <a:latin typeface="+mj-ea"/>
-                <a:ea typeface="+mj-ea"/>
-              </a:rPr>
-              <a:t>SIT</a:t>
-            </a:r>
-            <a:r>
-              <a:rPr lang="zh-TW" altLang="en-US" sz="2000" dirty="0" smtClean="0">
-                <a:latin typeface="+mj-ea"/>
-                <a:ea typeface="+mj-ea"/>
-              </a:rPr>
-              <a:t>階段，雖有輔助軟體協助但目前狀況還是不盡理想，現行解決方案如下：</a:t>
-            </a:r>
-            <a:endParaRPr lang="en-US" altLang="zh-TW" sz="2000" dirty="0" smtClean="0">
-              <a:latin typeface="+mj-ea"/>
-              <a:ea typeface="+mj-ea"/>
-            </a:endParaRPr>
-          </a:p>
-          <a:p>
-            <a:pPr marL="457200" indent="-457200" algn="just">
-              <a:lnSpc>
-                <a:spcPct val="150000"/>
-              </a:lnSpc>
-              <a:buFont typeface="+mj-lt"/>
-              <a:buAutoNum type="arabicPeriod"/>
-            </a:pPr>
-            <a:r>
-              <a:rPr lang="zh-TW" altLang="en-US" sz="2000" dirty="0" smtClean="0">
-                <a:latin typeface="+mj-ea"/>
-                <a:ea typeface="+mj-ea"/>
-              </a:rPr>
-              <a:t>增加系統分析師的人力。</a:t>
-            </a:r>
-            <a:endParaRPr lang="en-US" altLang="zh-TW" sz="2000" dirty="0" smtClean="0">
-              <a:latin typeface="+mj-ea"/>
-              <a:ea typeface="+mj-ea"/>
-            </a:endParaRPr>
-          </a:p>
-          <a:p>
-            <a:pPr marL="457200" indent="-457200" algn="just">
-              <a:lnSpc>
-                <a:spcPct val="150000"/>
-              </a:lnSpc>
-              <a:buFont typeface="+mj-lt"/>
-              <a:buAutoNum type="arabicPeriod"/>
-            </a:pPr>
-            <a:r>
-              <a:rPr lang="zh-TW" altLang="en-US" sz="2000" dirty="0" smtClean="0">
-                <a:latin typeface="+mj-ea"/>
-                <a:ea typeface="+mj-ea"/>
-              </a:rPr>
-              <a:t>重新訪談需求，確認流程。</a:t>
-            </a:r>
-            <a:endParaRPr lang="en-US" altLang="zh-TW" sz="2000" dirty="0" smtClean="0">
-              <a:latin typeface="+mj-ea"/>
-              <a:ea typeface="+mj-ea"/>
-            </a:endParaRPr>
-          </a:p>
-          <a:p>
-            <a:pPr marL="457200" indent="-457200" algn="just">
-              <a:lnSpc>
-                <a:spcPct val="150000"/>
-              </a:lnSpc>
-              <a:buFont typeface="+mj-lt"/>
-              <a:buAutoNum type="arabicPeriod"/>
-            </a:pPr>
-            <a:r>
-              <a:rPr lang="zh-TW" altLang="en-US" sz="2000" dirty="0" smtClean="0">
-                <a:latin typeface="+mj-ea"/>
-                <a:ea typeface="+mj-ea"/>
-              </a:rPr>
-              <a:t>補足缺失的需求規格文件</a:t>
-            </a:r>
-            <a:r>
-              <a:rPr lang="zh-TW" altLang="en-US" sz="2400" dirty="0" smtClean="0">
-                <a:latin typeface="+mj-ea"/>
-                <a:ea typeface="+mj-ea"/>
-              </a:rPr>
-              <a:t>。</a:t>
-            </a:r>
-            <a:endParaRPr lang="en-US" altLang="zh-TW" sz="2400" dirty="0" smtClean="0">
-              <a:latin typeface="+mj-ea"/>
-              <a:ea typeface="+mj-ea"/>
-            </a:endParaRPr>
-          </a:p>
-          <a:p>
-            <a:pPr marL="457200" indent="-457200" algn="just">
-              <a:lnSpc>
-                <a:spcPct val="150000"/>
-              </a:lnSpc>
-              <a:buFont typeface="+mj-lt"/>
-              <a:buAutoNum type="arabicPeriod"/>
-            </a:pPr>
-            <a:endParaRPr lang="zh-TW" altLang="en-US" sz="2000" dirty="0">
-              <a:latin typeface="+mj-ea"/>
-              <a:ea typeface="+mj-ea"/>
-            </a:endParaRPr>
-          </a:p>
-        </p:txBody>
-      </p:sp>
-      <p:pic>
-        <p:nvPicPr>
-          <p:cNvPr id="3" name="圖片 2"/>
-          <p:cNvPicPr>
-            <a:picLocks noChangeAspect="1"/>
-          </p:cNvPicPr>
-          <p:nvPr/>
-        </p:nvPicPr>
-        <p:blipFill>
-          <a:blip r:embed="rId4"/>
-          <a:stretch>
-            <a:fillRect/>
-          </a:stretch>
-        </p:blipFill>
-        <p:spPr>
-          <a:xfrm>
-            <a:off x="4672581" y="3842617"/>
-            <a:ext cx="4111133" cy="2425824"/>
-          </a:xfrm>
-          <a:prstGeom prst="rect">
-            <a:avLst/>
-          </a:prstGeom>
-          <a:ln>
-            <a:noFill/>
-          </a:ln>
-          <a:effectLst>
-            <a:softEdge rad="112500"/>
-          </a:effectLst>
-        </p:spPr>
-      </p:pic>
+      <p:graphicFrame>
+        <p:nvGraphicFramePr>
+          <p:cNvPr id="3" name="表格 2"/>
+          <p:cNvGraphicFramePr>
+            <a:graphicFrameLocks noGrp="1"/>
+          </p:cNvGraphicFramePr>
+          <p:nvPr>
+            <p:extLst>
+              <p:ext uri="{D42A27DB-BD31-4B8C-83A1-F6EECF244321}">
+                <p14:modId xmlns:p14="http://schemas.microsoft.com/office/powerpoint/2010/main" val="2621304531"/>
+              </p:ext>
+            </p:extLst>
+          </p:nvPr>
+        </p:nvGraphicFramePr>
+        <p:xfrm>
+          <a:off x="381888" y="1913960"/>
+          <a:ext cx="8438583" cy="3525272"/>
+        </p:xfrm>
+        <a:graphic>
+          <a:graphicData uri="http://schemas.openxmlformats.org/drawingml/2006/table">
+            <a:tbl>
+              <a:tblPr firstRow="1" firstCol="1" bandRow="1">
+                <a:tableStyleId>{F5AB1C69-6EDB-4FF4-983F-18BD219EF322}</a:tableStyleId>
+              </a:tblPr>
+              <a:tblGrid>
+                <a:gridCol w="589712">
+                  <a:extLst>
+                    <a:ext uri="{9D8B030D-6E8A-4147-A177-3AD203B41FA5}">
+                      <a16:colId xmlns:a16="http://schemas.microsoft.com/office/drawing/2014/main" val="3230495397"/>
+                    </a:ext>
+                  </a:extLst>
+                </a:gridCol>
+                <a:gridCol w="1440160">
+                  <a:extLst>
+                    <a:ext uri="{9D8B030D-6E8A-4147-A177-3AD203B41FA5}">
+                      <a16:colId xmlns:a16="http://schemas.microsoft.com/office/drawing/2014/main" val="2836628503"/>
+                    </a:ext>
+                  </a:extLst>
+                </a:gridCol>
+                <a:gridCol w="1368152">
+                  <a:extLst>
+                    <a:ext uri="{9D8B030D-6E8A-4147-A177-3AD203B41FA5}">
+                      <a16:colId xmlns:a16="http://schemas.microsoft.com/office/drawing/2014/main" val="1618959940"/>
+                    </a:ext>
+                  </a:extLst>
+                </a:gridCol>
+                <a:gridCol w="1872208">
+                  <a:extLst>
+                    <a:ext uri="{9D8B030D-6E8A-4147-A177-3AD203B41FA5}">
+                      <a16:colId xmlns:a16="http://schemas.microsoft.com/office/drawing/2014/main" val="2845504073"/>
+                    </a:ext>
+                  </a:extLst>
+                </a:gridCol>
+                <a:gridCol w="1656184">
+                  <a:extLst>
+                    <a:ext uri="{9D8B030D-6E8A-4147-A177-3AD203B41FA5}">
+                      <a16:colId xmlns:a16="http://schemas.microsoft.com/office/drawing/2014/main" val="347613028"/>
+                    </a:ext>
+                  </a:extLst>
+                </a:gridCol>
+                <a:gridCol w="1512167">
+                  <a:extLst>
+                    <a:ext uri="{9D8B030D-6E8A-4147-A177-3AD203B41FA5}">
+                      <a16:colId xmlns:a16="http://schemas.microsoft.com/office/drawing/2014/main" val="44350637"/>
+                    </a:ext>
+                  </a:extLst>
+                </a:gridCol>
+              </a:tblGrid>
+              <a:tr h="568721">
+                <a:tc>
+                  <a:txBody>
+                    <a:bodyPr/>
+                    <a:lstStyle/>
+                    <a:p>
+                      <a:pPr algn="just">
+                        <a:spcAft>
+                          <a:spcPts val="0"/>
+                        </a:spcAft>
+                      </a:pPr>
+                      <a:r>
+                        <a:rPr lang="zh-TW" sz="1600" kern="100" dirty="0" smtClean="0">
+                          <a:effectLst/>
+                          <a:latin typeface="+mj-ea"/>
+                          <a:ea typeface="+mj-ea"/>
+                        </a:rPr>
+                        <a:t>導入</a:t>
+                      </a:r>
+                      <a:endParaRPr lang="en-US" altLang="zh-TW" sz="1600" kern="100" dirty="0" smtClean="0">
+                        <a:effectLst/>
+                        <a:latin typeface="+mj-ea"/>
+                        <a:ea typeface="+mj-ea"/>
+                      </a:endParaRPr>
+                    </a:p>
+                    <a:p>
+                      <a:pPr algn="just">
+                        <a:spcAft>
+                          <a:spcPts val="0"/>
+                        </a:spcAft>
+                      </a:pPr>
+                      <a:r>
+                        <a:rPr lang="zh-TW" sz="1600" kern="100" dirty="0" smtClean="0">
+                          <a:effectLst/>
+                          <a:latin typeface="+mj-ea"/>
+                          <a:ea typeface="+mj-ea"/>
+                        </a:rPr>
+                        <a:t>時機</a:t>
+                      </a:r>
+                      <a:endParaRPr lang="zh-TW" sz="1600" kern="100" dirty="0">
+                        <a:effectLst/>
+                        <a:latin typeface="+mj-ea"/>
+                        <a:ea typeface="+mj-ea"/>
+                        <a:cs typeface="Times New Roman" panose="02020603050405020304" pitchFamily="18" charset="0"/>
+                      </a:endParaRPr>
+                    </a:p>
+                  </a:txBody>
+                  <a:tcPr marL="68580" marR="68580" marT="0" marB="0"/>
+                </a:tc>
+                <a:tc>
+                  <a:txBody>
+                    <a:bodyPr/>
+                    <a:lstStyle/>
+                    <a:p>
+                      <a:pPr algn="ctr">
+                        <a:spcAft>
+                          <a:spcPts val="0"/>
+                        </a:spcAft>
+                      </a:pPr>
+                      <a:r>
+                        <a:rPr lang="zh-TW" sz="1600" kern="100" dirty="0">
+                          <a:effectLst/>
+                          <a:latin typeface="+mj-ea"/>
+                          <a:ea typeface="+mj-ea"/>
+                        </a:rPr>
+                        <a:t>導入工具軟體</a:t>
+                      </a:r>
+                      <a:endParaRPr lang="zh-TW" sz="1600" kern="100" dirty="0">
+                        <a:effectLst/>
+                        <a:latin typeface="+mj-ea"/>
+                        <a:ea typeface="+mj-ea"/>
+                        <a:cs typeface="Times New Roman" panose="02020603050405020304" pitchFamily="18" charset="0"/>
+                      </a:endParaRPr>
+                    </a:p>
+                  </a:txBody>
+                  <a:tcPr marL="68580" marR="68580" marT="0" marB="0" anchor="ctr"/>
+                </a:tc>
+                <a:tc>
+                  <a:txBody>
+                    <a:bodyPr/>
+                    <a:lstStyle/>
+                    <a:p>
+                      <a:pPr algn="ctr">
+                        <a:spcAft>
+                          <a:spcPts val="0"/>
+                        </a:spcAft>
+                      </a:pPr>
+                      <a:r>
+                        <a:rPr lang="zh-TW" sz="1600" kern="100" dirty="0">
+                          <a:effectLst/>
+                          <a:latin typeface="+mj-ea"/>
+                          <a:ea typeface="+mj-ea"/>
+                        </a:rPr>
+                        <a:t>導入目的</a:t>
+                      </a:r>
+                      <a:endParaRPr lang="zh-TW" sz="1600" kern="100" dirty="0">
+                        <a:effectLst/>
+                        <a:latin typeface="+mj-ea"/>
+                        <a:ea typeface="+mj-ea"/>
+                        <a:cs typeface="Times New Roman" panose="02020603050405020304" pitchFamily="18" charset="0"/>
+                      </a:endParaRPr>
+                    </a:p>
+                  </a:txBody>
+                  <a:tcPr marL="68580" marR="68580" marT="0" marB="0" anchor="ctr"/>
+                </a:tc>
+                <a:tc>
+                  <a:txBody>
+                    <a:bodyPr/>
+                    <a:lstStyle/>
+                    <a:p>
+                      <a:pPr algn="ctr">
+                        <a:spcAft>
+                          <a:spcPts val="0"/>
+                        </a:spcAft>
+                      </a:pPr>
+                      <a:r>
+                        <a:rPr lang="zh-TW" sz="1600" kern="100" dirty="0">
+                          <a:effectLst/>
+                          <a:latin typeface="+mj-ea"/>
+                          <a:ea typeface="+mj-ea"/>
+                        </a:rPr>
+                        <a:t>協助重點</a:t>
+                      </a:r>
+                      <a:endParaRPr lang="zh-TW" sz="1600" kern="100" dirty="0">
+                        <a:effectLst/>
+                        <a:latin typeface="+mj-ea"/>
+                        <a:ea typeface="+mj-ea"/>
+                        <a:cs typeface="Times New Roman" panose="02020603050405020304" pitchFamily="18" charset="0"/>
+                      </a:endParaRPr>
+                    </a:p>
+                  </a:txBody>
+                  <a:tcPr marL="68580" marR="68580" marT="0" marB="0" anchor="ctr"/>
+                </a:tc>
+                <a:tc>
+                  <a:txBody>
+                    <a:bodyPr/>
+                    <a:lstStyle/>
+                    <a:p>
+                      <a:pPr algn="ctr">
+                        <a:spcAft>
+                          <a:spcPts val="0"/>
+                        </a:spcAft>
+                      </a:pPr>
+                      <a:r>
+                        <a:rPr lang="zh-TW" sz="1600" kern="100" dirty="0">
+                          <a:effectLst/>
+                          <a:latin typeface="+mj-ea"/>
+                          <a:ea typeface="+mj-ea"/>
+                        </a:rPr>
+                        <a:t>衍生相關問題</a:t>
+                      </a:r>
+                      <a:endParaRPr lang="zh-TW" sz="1600" kern="100" dirty="0">
+                        <a:effectLst/>
+                        <a:latin typeface="+mj-ea"/>
+                        <a:ea typeface="+mj-ea"/>
+                        <a:cs typeface="Times New Roman" panose="02020603050405020304" pitchFamily="18" charset="0"/>
+                      </a:endParaRPr>
+                    </a:p>
+                  </a:txBody>
+                  <a:tcPr marL="68580" marR="68580" marT="0" marB="0" anchor="ctr"/>
+                </a:tc>
+                <a:tc>
+                  <a:txBody>
+                    <a:bodyPr/>
+                    <a:lstStyle/>
+                    <a:p>
+                      <a:pPr algn="ctr">
+                        <a:spcAft>
+                          <a:spcPts val="0"/>
+                        </a:spcAft>
+                      </a:pPr>
+                      <a:r>
+                        <a:rPr lang="zh-TW" sz="1600" kern="100" dirty="0">
+                          <a:effectLst/>
+                          <a:latin typeface="+mj-ea"/>
+                          <a:ea typeface="+mj-ea"/>
+                        </a:rPr>
+                        <a:t>解決方案</a:t>
+                      </a:r>
+                      <a:endParaRPr lang="zh-TW" sz="1600" kern="100" dirty="0">
+                        <a:effectLst/>
+                        <a:latin typeface="+mj-ea"/>
+                        <a:ea typeface="+mj-ea"/>
+                        <a:cs typeface="Times New Roman" panose="02020603050405020304" pitchFamily="18" charset="0"/>
+                      </a:endParaRPr>
+                    </a:p>
+                  </a:txBody>
+                  <a:tcPr marL="68580" marR="68580" marT="0" marB="0" anchor="ctr"/>
+                </a:tc>
+                <a:extLst>
+                  <a:ext uri="{0D108BD9-81ED-4DB2-BD59-A6C34878D82A}">
+                    <a16:rowId xmlns:a16="http://schemas.microsoft.com/office/drawing/2014/main" val="4222134225"/>
+                  </a:ext>
+                </a:extLst>
+              </a:tr>
+              <a:tr h="1306359">
+                <a:tc>
+                  <a:txBody>
+                    <a:bodyPr/>
+                    <a:lstStyle/>
+                    <a:p>
+                      <a:pPr algn="ctr">
+                        <a:spcAft>
+                          <a:spcPts val="0"/>
+                        </a:spcAft>
+                      </a:pPr>
+                      <a:r>
+                        <a:rPr lang="zh-TW" sz="1800" kern="100" dirty="0" smtClean="0">
+                          <a:effectLst/>
+                          <a:latin typeface="+mj-ea"/>
+                          <a:ea typeface="+mj-ea"/>
+                        </a:rPr>
+                        <a:t>開發</a:t>
+                      </a:r>
+                      <a:endParaRPr lang="en-US" altLang="zh-TW" sz="1800" kern="100" dirty="0" smtClean="0">
+                        <a:effectLst/>
+                        <a:latin typeface="+mj-ea"/>
+                        <a:ea typeface="+mj-ea"/>
+                      </a:endParaRPr>
+                    </a:p>
+                    <a:p>
+                      <a:pPr algn="ctr">
+                        <a:spcAft>
+                          <a:spcPts val="0"/>
+                        </a:spcAft>
+                      </a:pPr>
+                      <a:r>
+                        <a:rPr lang="zh-TW" sz="1800" kern="100" dirty="0" smtClean="0">
+                          <a:effectLst/>
+                          <a:latin typeface="+mj-ea"/>
+                          <a:ea typeface="+mj-ea"/>
+                        </a:rPr>
+                        <a:t>階段</a:t>
+                      </a:r>
+                      <a:endParaRPr lang="zh-TW" sz="1800" kern="100" dirty="0">
+                        <a:effectLst/>
+                        <a:latin typeface="+mj-ea"/>
+                        <a:ea typeface="+mj-ea"/>
+                        <a:cs typeface="Times New Roman" panose="02020603050405020304" pitchFamily="18" charset="0"/>
+                      </a:endParaRPr>
+                    </a:p>
+                  </a:txBody>
+                  <a:tcPr marL="68580" marR="68580" marT="0" marB="0" anchor="ctr"/>
+                </a:tc>
+                <a:tc>
+                  <a:txBody>
+                    <a:bodyPr/>
+                    <a:lstStyle/>
+                    <a:p>
+                      <a:pPr>
+                        <a:lnSpc>
+                          <a:spcPct val="150000"/>
+                        </a:lnSpc>
+                        <a:spcAft>
+                          <a:spcPts val="0"/>
+                        </a:spcAft>
+                      </a:pPr>
+                      <a:r>
+                        <a:rPr lang="zh-TW" sz="1600" b="1" kern="100" dirty="0">
+                          <a:solidFill>
+                            <a:schemeClr val="tx1"/>
+                          </a:solidFill>
+                          <a:effectLst/>
+                          <a:latin typeface="+mj-ea"/>
+                          <a:ea typeface="+mj-ea"/>
+                        </a:rPr>
+                        <a:t>文件及知識共享平台</a:t>
+                      </a:r>
+                      <a:r>
+                        <a:rPr lang="en-US" sz="1600" b="1" kern="100" dirty="0">
+                          <a:solidFill>
+                            <a:schemeClr val="tx1"/>
+                          </a:solidFill>
+                          <a:effectLst/>
+                          <a:latin typeface="+mj-ea"/>
+                          <a:ea typeface="+mj-ea"/>
+                        </a:rPr>
+                        <a:t>(</a:t>
+                      </a:r>
+                      <a:r>
+                        <a:rPr lang="en-US" sz="1600" b="1" kern="100" dirty="0" smtClean="0">
+                          <a:solidFill>
+                            <a:schemeClr val="tx1"/>
+                          </a:solidFill>
+                          <a:effectLst/>
+                          <a:latin typeface="+mj-ea"/>
+                          <a:ea typeface="+mj-ea"/>
+                        </a:rPr>
+                        <a:t>Microsoft</a:t>
+                      </a:r>
+                    </a:p>
+                    <a:p>
+                      <a:pPr>
+                        <a:lnSpc>
+                          <a:spcPct val="150000"/>
+                        </a:lnSpc>
+                        <a:spcAft>
+                          <a:spcPts val="0"/>
+                        </a:spcAft>
+                      </a:pPr>
+                      <a:r>
+                        <a:rPr lang="en-US" sz="1600" b="1" kern="100" dirty="0" smtClean="0">
+                          <a:solidFill>
+                            <a:schemeClr val="tx1"/>
+                          </a:solidFill>
+                          <a:effectLst/>
+                          <a:latin typeface="+mj-ea"/>
+                          <a:ea typeface="+mj-ea"/>
+                        </a:rPr>
+                        <a:t>SharePoint</a:t>
+                      </a:r>
+                      <a:r>
+                        <a:rPr lang="en-US" sz="1600" b="1" kern="100" dirty="0">
+                          <a:solidFill>
+                            <a:schemeClr val="tx1"/>
+                          </a:solidFill>
+                          <a:effectLst/>
+                          <a:latin typeface="+mj-ea"/>
+                          <a:ea typeface="+mj-ea"/>
+                        </a:rPr>
+                        <a:t>)</a:t>
+                      </a:r>
+                      <a:endParaRPr lang="zh-TW" sz="1600" b="1" kern="100" dirty="0">
+                        <a:solidFill>
+                          <a:schemeClr val="tx1"/>
+                        </a:solidFill>
+                        <a:effectLst/>
+                        <a:latin typeface="+mj-ea"/>
+                        <a:ea typeface="+mj-ea"/>
+                        <a:cs typeface="Times New Roman" panose="02020603050405020304" pitchFamily="18" charset="0"/>
+                      </a:endParaRPr>
+                    </a:p>
+                  </a:txBody>
+                  <a:tcPr marL="68580" marR="68580" marT="0" marB="0"/>
+                </a:tc>
+                <a:tc>
+                  <a:txBody>
+                    <a:bodyPr/>
+                    <a:lstStyle/>
+                    <a:p>
+                      <a:pPr>
+                        <a:lnSpc>
+                          <a:spcPct val="150000"/>
+                        </a:lnSpc>
+                        <a:spcAft>
+                          <a:spcPts val="0"/>
+                        </a:spcAft>
+                      </a:pPr>
+                      <a:r>
+                        <a:rPr lang="zh-TW" sz="1700" kern="100" dirty="0">
+                          <a:effectLst/>
+                          <a:latin typeface="+mj-ea"/>
+                          <a:ea typeface="+mj-ea"/>
+                        </a:rPr>
+                        <a:t>專案透明度</a:t>
+                      </a:r>
+                      <a:endParaRPr lang="zh-TW" sz="1700" kern="100" dirty="0">
+                        <a:effectLst/>
+                        <a:latin typeface="+mj-ea"/>
+                        <a:ea typeface="+mj-ea"/>
+                        <a:cs typeface="Times New Roman" panose="02020603050405020304" pitchFamily="18" charset="0"/>
+                      </a:endParaRPr>
+                    </a:p>
+                  </a:txBody>
+                  <a:tcPr marL="68580" marR="68580" marT="0" marB="0" anchor="ctr"/>
+                </a:tc>
+                <a:tc>
+                  <a:txBody>
+                    <a:bodyPr/>
+                    <a:lstStyle/>
+                    <a:p>
+                      <a:pPr>
+                        <a:lnSpc>
+                          <a:spcPct val="150000"/>
+                        </a:lnSpc>
+                        <a:spcAft>
+                          <a:spcPts val="0"/>
+                        </a:spcAft>
+                      </a:pPr>
+                      <a:r>
+                        <a:rPr lang="zh-TW" sz="1700" kern="100" dirty="0">
+                          <a:effectLst/>
+                          <a:latin typeface="+mj-ea"/>
+                          <a:ea typeface="+mj-ea"/>
+                        </a:rPr>
+                        <a:t>增加專案內部的</a:t>
+                      </a:r>
+                      <a:r>
+                        <a:rPr lang="zh-TW" sz="1700" kern="100" dirty="0">
+                          <a:solidFill>
+                            <a:srgbClr val="FF0000"/>
+                          </a:solidFill>
+                          <a:effectLst/>
+                          <a:latin typeface="+mj-ea"/>
+                          <a:ea typeface="+mj-ea"/>
+                        </a:rPr>
+                        <a:t>橫向溝通</a:t>
+                      </a:r>
+                      <a:endParaRPr lang="zh-TW" sz="1700" kern="100" dirty="0">
+                        <a:solidFill>
+                          <a:srgbClr val="FF0000"/>
+                        </a:solidFill>
+                        <a:effectLst/>
+                        <a:latin typeface="+mj-ea"/>
+                        <a:ea typeface="+mj-ea"/>
+                        <a:cs typeface="Times New Roman" panose="02020603050405020304" pitchFamily="18" charset="0"/>
+                      </a:endParaRPr>
+                    </a:p>
+                  </a:txBody>
+                  <a:tcPr marL="68580" marR="68580" marT="0" marB="0"/>
+                </a:tc>
+                <a:tc>
+                  <a:txBody>
+                    <a:bodyPr/>
+                    <a:lstStyle/>
+                    <a:p>
+                      <a:pPr>
+                        <a:lnSpc>
+                          <a:spcPct val="150000"/>
+                        </a:lnSpc>
+                        <a:spcAft>
+                          <a:spcPts val="0"/>
+                        </a:spcAft>
+                      </a:pPr>
+                      <a:r>
+                        <a:rPr lang="zh-TW" sz="1700" kern="100" dirty="0" smtClean="0">
+                          <a:solidFill>
+                            <a:schemeClr val="tx1"/>
+                          </a:solidFill>
+                          <a:effectLst/>
+                          <a:latin typeface="+mj-ea"/>
+                          <a:ea typeface="+mj-ea"/>
+                        </a:rPr>
+                        <a:t>程式</a:t>
+                      </a:r>
+                      <a:r>
+                        <a:rPr lang="zh-TW" sz="1700" kern="100" dirty="0">
+                          <a:solidFill>
+                            <a:schemeClr val="tx1"/>
+                          </a:solidFill>
+                          <a:effectLst/>
+                          <a:latin typeface="+mj-ea"/>
+                          <a:ea typeface="+mj-ea"/>
+                        </a:rPr>
+                        <a:t>品質不</a:t>
+                      </a:r>
+                      <a:r>
+                        <a:rPr lang="zh-TW" sz="1700" kern="100" dirty="0" smtClean="0">
+                          <a:solidFill>
+                            <a:schemeClr val="tx1"/>
+                          </a:solidFill>
+                          <a:effectLst/>
+                          <a:latin typeface="+mj-ea"/>
+                          <a:ea typeface="+mj-ea"/>
+                        </a:rPr>
+                        <a:t>佳</a:t>
+                      </a:r>
+                      <a:r>
+                        <a:rPr lang="zh-TW" altLang="en-US" sz="1700" kern="100" dirty="0" smtClean="0">
+                          <a:solidFill>
+                            <a:schemeClr val="tx1"/>
+                          </a:solidFill>
+                          <a:effectLst/>
+                          <a:latin typeface="+mj-ea"/>
+                          <a:ea typeface="+mj-ea"/>
+                        </a:rPr>
+                        <a:t>、需求不明確</a:t>
+                      </a:r>
+                      <a:endParaRPr lang="zh-TW" sz="1700" kern="100" dirty="0">
+                        <a:solidFill>
+                          <a:schemeClr val="tx1"/>
+                        </a:solidFill>
+                        <a:effectLst/>
+                        <a:latin typeface="+mj-ea"/>
+                        <a:ea typeface="+mj-ea"/>
+                        <a:cs typeface="Times New Roman" panose="02020603050405020304" pitchFamily="18" charset="0"/>
+                      </a:endParaRPr>
+                    </a:p>
+                  </a:txBody>
+                  <a:tcPr marL="68580" marR="68580" marT="0" marB="0"/>
+                </a:tc>
+                <a:tc>
+                  <a:txBody>
+                    <a:bodyPr/>
+                    <a:lstStyle/>
+                    <a:p>
+                      <a:pPr>
+                        <a:lnSpc>
+                          <a:spcPct val="150000"/>
+                        </a:lnSpc>
+                        <a:spcAft>
+                          <a:spcPts val="0"/>
+                        </a:spcAft>
+                      </a:pPr>
+                      <a:r>
+                        <a:rPr lang="zh-TW" sz="1700" kern="100" dirty="0" smtClean="0">
+                          <a:effectLst/>
+                          <a:latin typeface="+mj-ea"/>
+                          <a:ea typeface="+mj-ea"/>
+                        </a:rPr>
+                        <a:t>補足缺少</a:t>
+                      </a:r>
+                      <a:r>
+                        <a:rPr lang="zh-TW" altLang="en-US" sz="1700" kern="100" dirty="0" smtClean="0">
+                          <a:effectLst/>
+                          <a:latin typeface="+mj-ea"/>
+                          <a:ea typeface="+mj-ea"/>
+                        </a:rPr>
+                        <a:t>的需求</a:t>
+                      </a:r>
+                      <a:r>
+                        <a:rPr lang="zh-TW" sz="1700" kern="100" dirty="0" smtClean="0">
+                          <a:effectLst/>
+                          <a:latin typeface="+mj-ea"/>
+                          <a:ea typeface="+mj-ea"/>
+                        </a:rPr>
+                        <a:t>文件</a:t>
+                      </a:r>
+                      <a:endParaRPr lang="zh-TW" sz="1700" kern="100" dirty="0">
+                        <a:effectLst/>
+                        <a:latin typeface="+mj-ea"/>
+                        <a:ea typeface="+mj-ea"/>
+                        <a:cs typeface="Times New Roman" panose="02020603050405020304" pitchFamily="18" charset="0"/>
+                      </a:endParaRPr>
+                    </a:p>
+                  </a:txBody>
+                  <a:tcPr marL="68580" marR="68580" marT="0" marB="0"/>
+                </a:tc>
+                <a:extLst>
+                  <a:ext uri="{0D108BD9-81ED-4DB2-BD59-A6C34878D82A}">
+                    <a16:rowId xmlns:a16="http://schemas.microsoft.com/office/drawing/2014/main" val="410592994"/>
+                  </a:ext>
+                </a:extLst>
+              </a:tr>
+              <a:tr h="1538405">
+                <a:tc>
+                  <a:txBody>
+                    <a:bodyPr/>
+                    <a:lstStyle/>
+                    <a:p>
+                      <a:pPr algn="ctr">
+                        <a:spcAft>
+                          <a:spcPts val="0"/>
+                        </a:spcAft>
+                      </a:pPr>
+                      <a:r>
+                        <a:rPr lang="zh-TW" sz="1800" kern="100" dirty="0" smtClean="0">
+                          <a:effectLst/>
+                          <a:latin typeface="+mj-ea"/>
+                          <a:ea typeface="+mj-ea"/>
+                        </a:rPr>
+                        <a:t>測試</a:t>
+                      </a:r>
+                      <a:endParaRPr lang="en-US" altLang="zh-TW" sz="1800" kern="100" dirty="0" smtClean="0">
+                        <a:effectLst/>
+                        <a:latin typeface="+mj-ea"/>
+                        <a:ea typeface="+mj-ea"/>
+                      </a:endParaRPr>
+                    </a:p>
+                    <a:p>
+                      <a:pPr algn="ctr">
+                        <a:spcAft>
+                          <a:spcPts val="0"/>
+                        </a:spcAft>
+                      </a:pPr>
+                      <a:r>
+                        <a:rPr lang="zh-TW" sz="1800" kern="100" dirty="0" smtClean="0">
+                          <a:effectLst/>
+                          <a:latin typeface="+mj-ea"/>
+                          <a:ea typeface="+mj-ea"/>
+                        </a:rPr>
+                        <a:t>階段</a:t>
+                      </a:r>
+                      <a:endParaRPr lang="zh-TW" sz="1800" kern="100" dirty="0">
+                        <a:effectLst/>
+                        <a:latin typeface="+mj-ea"/>
+                        <a:ea typeface="+mj-ea"/>
+                        <a:cs typeface="Times New Roman" panose="02020603050405020304" pitchFamily="18" charset="0"/>
+                      </a:endParaRPr>
+                    </a:p>
+                  </a:txBody>
+                  <a:tcPr marL="68580" marR="68580" marT="0" marB="0" anchor="ctr"/>
+                </a:tc>
+                <a:tc>
+                  <a:txBody>
+                    <a:bodyPr/>
+                    <a:lstStyle/>
+                    <a:p>
+                      <a:pPr>
+                        <a:lnSpc>
+                          <a:spcPct val="150000"/>
+                        </a:lnSpc>
+                        <a:spcAft>
+                          <a:spcPts val="0"/>
+                        </a:spcAft>
+                      </a:pPr>
+                      <a:r>
+                        <a:rPr lang="en-US" sz="1600" b="1" kern="100" dirty="0">
+                          <a:solidFill>
+                            <a:schemeClr val="tx1"/>
+                          </a:solidFill>
+                          <a:effectLst/>
+                          <a:latin typeface="+mj-ea"/>
+                          <a:ea typeface="+mj-ea"/>
+                        </a:rPr>
+                        <a:t>HP </a:t>
+                      </a:r>
+                      <a:r>
+                        <a:rPr lang="en-US" sz="1600" b="1" kern="100" dirty="0" smtClean="0">
+                          <a:solidFill>
+                            <a:schemeClr val="tx1"/>
+                          </a:solidFill>
+                          <a:effectLst/>
+                          <a:latin typeface="+mj-ea"/>
+                          <a:ea typeface="+mj-ea"/>
+                        </a:rPr>
+                        <a:t>QC</a:t>
+                      </a:r>
+                    </a:p>
+                    <a:p>
+                      <a:pPr>
+                        <a:lnSpc>
+                          <a:spcPct val="150000"/>
+                        </a:lnSpc>
+                        <a:spcAft>
+                          <a:spcPts val="0"/>
+                        </a:spcAft>
+                      </a:pPr>
+                      <a:r>
+                        <a:rPr lang="en-US" sz="1600" b="1" kern="100" dirty="0" smtClean="0">
+                          <a:solidFill>
+                            <a:schemeClr val="tx1"/>
+                          </a:solidFill>
+                          <a:effectLst/>
+                          <a:latin typeface="+mj-ea"/>
+                          <a:ea typeface="+mj-ea"/>
+                        </a:rPr>
+                        <a:t>(</a:t>
+                      </a:r>
+                      <a:r>
+                        <a:rPr lang="en-US" sz="1600" b="1" kern="100" dirty="0">
+                          <a:solidFill>
+                            <a:schemeClr val="tx1"/>
+                          </a:solidFill>
+                          <a:effectLst/>
+                          <a:latin typeface="+mj-ea"/>
+                          <a:ea typeface="+mj-ea"/>
+                        </a:rPr>
+                        <a:t>Quality Center)</a:t>
+                      </a:r>
+                      <a:endParaRPr lang="zh-TW" sz="1600" b="1" kern="100" dirty="0">
+                        <a:solidFill>
+                          <a:schemeClr val="tx1"/>
+                        </a:solidFill>
+                        <a:effectLst/>
+                        <a:latin typeface="+mj-ea"/>
+                        <a:ea typeface="+mj-ea"/>
+                        <a:cs typeface="Times New Roman" panose="02020603050405020304" pitchFamily="18" charset="0"/>
+                      </a:endParaRPr>
+                    </a:p>
+                  </a:txBody>
+                  <a:tcPr marL="68580" marR="68580" marT="0" marB="0"/>
+                </a:tc>
+                <a:tc>
+                  <a:txBody>
+                    <a:bodyPr/>
+                    <a:lstStyle/>
+                    <a:p>
+                      <a:pPr>
+                        <a:lnSpc>
+                          <a:spcPct val="150000"/>
+                        </a:lnSpc>
+                        <a:spcAft>
+                          <a:spcPts val="0"/>
+                        </a:spcAft>
+                      </a:pPr>
+                      <a:r>
+                        <a:rPr lang="zh-TW" sz="1700" kern="100" dirty="0">
+                          <a:effectLst/>
+                          <a:latin typeface="+mj-ea"/>
+                          <a:ea typeface="+mj-ea"/>
+                        </a:rPr>
+                        <a:t>專案</a:t>
+                      </a:r>
+                      <a:r>
+                        <a:rPr lang="zh-TW" sz="1700" kern="100" dirty="0" smtClean="0">
+                          <a:effectLst/>
+                          <a:latin typeface="+mj-ea"/>
+                          <a:ea typeface="+mj-ea"/>
+                        </a:rPr>
+                        <a:t>品質控</a:t>
+                      </a:r>
+                      <a:r>
+                        <a:rPr lang="zh-TW" sz="1700" kern="100" dirty="0">
+                          <a:effectLst/>
+                          <a:latin typeface="+mj-ea"/>
+                          <a:ea typeface="+mj-ea"/>
+                        </a:rPr>
+                        <a:t>管</a:t>
+                      </a:r>
+                      <a:endParaRPr lang="zh-TW" sz="1700" kern="100" dirty="0">
+                        <a:effectLst/>
+                        <a:latin typeface="+mj-ea"/>
+                        <a:ea typeface="+mj-ea"/>
+                        <a:cs typeface="Times New Roman" panose="02020603050405020304" pitchFamily="18" charset="0"/>
+                      </a:endParaRPr>
+                    </a:p>
+                  </a:txBody>
+                  <a:tcPr marL="68580" marR="68580" marT="0" marB="0" anchor="ctr"/>
+                </a:tc>
+                <a:tc>
+                  <a:txBody>
+                    <a:bodyPr/>
+                    <a:lstStyle/>
+                    <a:p>
+                      <a:pPr>
+                        <a:lnSpc>
+                          <a:spcPct val="150000"/>
+                        </a:lnSpc>
+                        <a:spcAft>
+                          <a:spcPts val="0"/>
+                        </a:spcAft>
+                      </a:pPr>
+                      <a:r>
+                        <a:rPr lang="zh-TW" altLang="en-US" sz="1700" kern="100" dirty="0" smtClean="0">
+                          <a:effectLst/>
+                          <a:latin typeface="+mj-ea"/>
+                          <a:ea typeface="+mj-ea"/>
+                        </a:rPr>
+                        <a:t>依</a:t>
+                      </a:r>
+                      <a:r>
+                        <a:rPr lang="zh-TW" sz="1700" kern="100" dirty="0" smtClean="0">
+                          <a:effectLst/>
+                          <a:latin typeface="+mj-ea"/>
+                          <a:ea typeface="+mj-ea"/>
+                        </a:rPr>
+                        <a:t>流程</a:t>
+                      </a:r>
+                      <a:r>
+                        <a:rPr lang="zh-TW" sz="1700" kern="100" dirty="0">
+                          <a:effectLst/>
+                          <a:latin typeface="+mj-ea"/>
+                          <a:ea typeface="+mj-ea"/>
+                        </a:rPr>
+                        <a:t>做</a:t>
+                      </a:r>
+                      <a:r>
+                        <a:rPr lang="zh-TW" sz="1700" kern="100" dirty="0" smtClean="0">
+                          <a:effectLst/>
+                          <a:latin typeface="+mj-ea"/>
+                          <a:ea typeface="+mj-ea"/>
+                        </a:rPr>
+                        <a:t>測試</a:t>
+                      </a:r>
+                      <a:r>
+                        <a:rPr lang="zh-TW" altLang="en-US" sz="1700" kern="100" dirty="0" smtClean="0">
+                          <a:effectLst/>
+                          <a:latin typeface="+mj-ea"/>
+                          <a:ea typeface="+mj-ea"/>
+                        </a:rPr>
+                        <a:t>角</a:t>
+                      </a:r>
+                      <a:r>
+                        <a:rPr lang="zh-TW" sz="1700" kern="100" dirty="0" smtClean="0">
+                          <a:effectLst/>
+                          <a:latin typeface="+mj-ea"/>
+                          <a:ea typeface="+mj-ea"/>
+                        </a:rPr>
+                        <a:t>色拆分，</a:t>
+                      </a:r>
+                      <a:r>
+                        <a:rPr lang="zh-TW" sz="1700" kern="100" dirty="0">
+                          <a:solidFill>
+                            <a:srgbClr val="FF0000"/>
+                          </a:solidFill>
+                          <a:effectLst/>
+                          <a:latin typeface="+mj-ea"/>
+                          <a:ea typeface="+mj-ea"/>
+                        </a:rPr>
+                        <a:t>已達成多方</a:t>
+                      </a:r>
+                      <a:r>
+                        <a:rPr lang="zh-TW" sz="1700" kern="100" dirty="0" smtClean="0">
+                          <a:solidFill>
+                            <a:srgbClr val="FF0000"/>
+                          </a:solidFill>
+                          <a:effectLst/>
+                          <a:latin typeface="+mj-ea"/>
+                          <a:ea typeface="+mj-ea"/>
+                        </a:rPr>
+                        <a:t>測試</a:t>
+                      </a:r>
+                      <a:r>
+                        <a:rPr lang="zh-TW" altLang="en-US" sz="1700" kern="100" dirty="0" smtClean="0">
+                          <a:solidFill>
+                            <a:srgbClr val="FF0000"/>
+                          </a:solidFill>
+                          <a:effectLst/>
+                          <a:latin typeface="+mj-ea"/>
+                          <a:ea typeface="+mj-ea"/>
+                        </a:rPr>
+                        <a:t>的</a:t>
+                      </a:r>
+                      <a:r>
+                        <a:rPr lang="zh-TW" sz="1700" kern="100" dirty="0" smtClean="0">
+                          <a:solidFill>
+                            <a:srgbClr val="FF0000"/>
+                          </a:solidFill>
+                          <a:effectLst/>
+                          <a:latin typeface="+mj-ea"/>
+                          <a:ea typeface="+mj-ea"/>
+                        </a:rPr>
+                        <a:t>目的</a:t>
+                      </a:r>
+                      <a:endParaRPr lang="zh-TW" sz="1700" kern="100" dirty="0">
+                        <a:solidFill>
+                          <a:srgbClr val="FF0000"/>
+                        </a:solidFill>
+                        <a:effectLst/>
+                        <a:latin typeface="+mj-ea"/>
+                        <a:ea typeface="+mj-ea"/>
+                        <a:cs typeface="Times New Roman" panose="02020603050405020304" pitchFamily="18" charset="0"/>
+                      </a:endParaRPr>
+                    </a:p>
+                  </a:txBody>
+                  <a:tcPr marL="68580" marR="68580" marT="0" marB="0"/>
+                </a:tc>
+                <a:tc>
+                  <a:txBody>
+                    <a:bodyPr/>
+                    <a:lstStyle/>
+                    <a:p>
+                      <a:pPr>
+                        <a:lnSpc>
+                          <a:spcPct val="150000"/>
+                        </a:lnSpc>
+                        <a:spcAft>
+                          <a:spcPts val="0"/>
+                        </a:spcAft>
+                      </a:pPr>
+                      <a:r>
+                        <a:rPr lang="zh-TW" sz="1700" kern="100" dirty="0" smtClean="0">
+                          <a:solidFill>
+                            <a:schemeClr val="tx1"/>
+                          </a:solidFill>
+                          <a:effectLst/>
+                          <a:latin typeface="+mj-ea"/>
+                          <a:ea typeface="+mj-ea"/>
+                        </a:rPr>
+                        <a:t>測試</a:t>
+                      </a:r>
+                      <a:r>
+                        <a:rPr lang="zh-TW" sz="1700" kern="100" dirty="0">
+                          <a:solidFill>
+                            <a:schemeClr val="tx1"/>
+                          </a:solidFill>
+                          <a:effectLst/>
+                          <a:latin typeface="+mj-ea"/>
+                          <a:ea typeface="+mj-ea"/>
+                        </a:rPr>
+                        <a:t>案例無法與現況</a:t>
+                      </a:r>
+                      <a:r>
+                        <a:rPr lang="zh-TW" sz="1700" kern="100" dirty="0" smtClean="0">
+                          <a:solidFill>
+                            <a:schemeClr val="tx1"/>
+                          </a:solidFill>
+                          <a:effectLst/>
+                          <a:latin typeface="+mj-ea"/>
+                          <a:ea typeface="+mj-ea"/>
+                        </a:rPr>
+                        <a:t>相符</a:t>
+                      </a:r>
+                      <a:endParaRPr lang="zh-TW" sz="1700" kern="100" dirty="0">
+                        <a:solidFill>
+                          <a:schemeClr val="tx1"/>
+                        </a:solidFill>
+                        <a:effectLst/>
+                        <a:latin typeface="+mj-ea"/>
+                        <a:ea typeface="+mj-ea"/>
+                        <a:cs typeface="Times New Roman" panose="02020603050405020304" pitchFamily="18" charset="0"/>
+                      </a:endParaRPr>
+                    </a:p>
+                  </a:txBody>
+                  <a:tcPr marL="68580" marR="68580" marT="0" marB="0"/>
+                </a:tc>
+                <a:tc>
+                  <a:txBody>
+                    <a:bodyPr/>
+                    <a:lstStyle/>
+                    <a:p>
+                      <a:pPr>
+                        <a:lnSpc>
+                          <a:spcPct val="150000"/>
+                        </a:lnSpc>
+                        <a:spcAft>
+                          <a:spcPts val="0"/>
+                        </a:spcAft>
+                      </a:pPr>
+                      <a:r>
+                        <a:rPr lang="zh-TW" sz="1700" kern="100" dirty="0">
+                          <a:effectLst/>
+                          <a:latin typeface="+mj-ea"/>
+                          <a:ea typeface="+mj-ea"/>
+                        </a:rPr>
+                        <a:t>增加了解</a:t>
+                      </a:r>
+                      <a:r>
+                        <a:rPr lang="en-US" sz="1700" kern="100" dirty="0">
+                          <a:effectLst/>
+                          <a:latin typeface="+mj-ea"/>
+                          <a:ea typeface="+mj-ea"/>
+                        </a:rPr>
+                        <a:t>knowhow</a:t>
+                      </a:r>
+                      <a:r>
+                        <a:rPr lang="zh-TW" sz="1700" kern="100" dirty="0">
+                          <a:effectLst/>
+                          <a:latin typeface="+mj-ea"/>
+                          <a:ea typeface="+mj-ea"/>
+                        </a:rPr>
+                        <a:t>的系統分析</a:t>
+                      </a:r>
+                      <a:r>
+                        <a:rPr lang="zh-TW" sz="1700" kern="100" dirty="0" smtClean="0">
+                          <a:effectLst/>
+                          <a:latin typeface="+mj-ea"/>
+                          <a:ea typeface="+mj-ea"/>
+                        </a:rPr>
+                        <a:t>師</a:t>
+                      </a:r>
+                      <a:endParaRPr lang="zh-TW" sz="1700" kern="100" dirty="0">
+                        <a:effectLst/>
+                        <a:latin typeface="+mj-ea"/>
+                        <a:ea typeface="+mj-ea"/>
+                        <a:cs typeface="Times New Roman" panose="02020603050405020304" pitchFamily="18" charset="0"/>
+                      </a:endParaRPr>
+                    </a:p>
+                  </a:txBody>
+                  <a:tcPr marL="68580" marR="68580" marT="0" marB="0"/>
+                </a:tc>
+                <a:extLst>
+                  <a:ext uri="{0D108BD9-81ED-4DB2-BD59-A6C34878D82A}">
+                    <a16:rowId xmlns:a16="http://schemas.microsoft.com/office/drawing/2014/main" val="3369292718"/>
+                  </a:ext>
+                </a:extLst>
+              </a:tr>
+            </a:tbl>
+          </a:graphicData>
+        </a:graphic>
+      </p:graphicFrame>
     </p:spTree>
     <p:extLst>
       <p:ext uri="{BB962C8B-B14F-4D97-AF65-F5344CB8AC3E}">
-        <p14:creationId xmlns:p14="http://schemas.microsoft.com/office/powerpoint/2010/main" val="2268565271"/>
+        <p14:creationId xmlns:p14="http://schemas.microsoft.com/office/powerpoint/2010/main" val="1350057636"/>
       </p:ext>
     </p:extLst>
   </p:cSld>
@@ -20060,6 +20663,13 @@
   <p:transition>
     <p:wipe dir="r"/>
   </p:transition>
+  <p:timing>
+    <p:tnLst>
+      <p:par>
+        <p:cTn id="1" dur="indefinite" restart="never" nodeType="tmRoot"/>
+      </p:par>
+    </p:tnLst>
+  </p:timing>
 </p:sld>
 </file>
 
